--- a/03_outputs/Framework.pptx
+++ b/03_outputs/Framework.pptx
@@ -104,6 +104,11 @@
       </a:defRPr>
     </a:lvl9pPr>
   </p:defaultTextStyle>
+  <p:extLst>
+    <p:ext uri="{EFAFB233-063F-42B5-8137-9DF3F51BA10A}">
+      <p15:sldGuideLst xmlns:p15="http://schemas.microsoft.com/office/powerpoint/2012/main"/>
+    </p:ext>
+  </p:extLst>
 </p:presentation>
 </file>
 
@@ -256,7 +261,7 @@
           <a:p>
             <a:fld id="{3BB86B50-BCE8-6148-9A82-B9A03E5DB24C}" type="datetimeFigureOut">
               <a:rPr lang="en-US" smtClean="0"/>
-              <a:t>8/2/24</a:t>
+              <a:t>8/6/24</a:t>
             </a:fld>
             <a:endParaRPr lang="en-US"/>
           </a:p>
@@ -456,7 +461,7 @@
           <a:p>
             <a:fld id="{3BB86B50-BCE8-6148-9A82-B9A03E5DB24C}" type="datetimeFigureOut">
               <a:rPr lang="en-US" smtClean="0"/>
-              <a:t>8/2/24</a:t>
+              <a:t>8/6/24</a:t>
             </a:fld>
             <a:endParaRPr lang="en-US"/>
           </a:p>
@@ -666,7 +671,7 @@
           <a:p>
             <a:fld id="{3BB86B50-BCE8-6148-9A82-B9A03E5DB24C}" type="datetimeFigureOut">
               <a:rPr lang="en-US" smtClean="0"/>
-              <a:t>8/2/24</a:t>
+              <a:t>8/6/24</a:t>
             </a:fld>
             <a:endParaRPr lang="en-US"/>
           </a:p>
@@ -866,7 +871,7 @@
           <a:p>
             <a:fld id="{3BB86B50-BCE8-6148-9A82-B9A03E5DB24C}" type="datetimeFigureOut">
               <a:rPr lang="en-US" smtClean="0"/>
-              <a:t>8/2/24</a:t>
+              <a:t>8/6/24</a:t>
             </a:fld>
             <a:endParaRPr lang="en-US"/>
           </a:p>
@@ -1142,7 +1147,7 @@
           <a:p>
             <a:fld id="{3BB86B50-BCE8-6148-9A82-B9A03E5DB24C}" type="datetimeFigureOut">
               <a:rPr lang="en-US" smtClean="0"/>
-              <a:t>8/2/24</a:t>
+              <a:t>8/6/24</a:t>
             </a:fld>
             <a:endParaRPr lang="en-US"/>
           </a:p>
@@ -1410,7 +1415,7 @@
           <a:p>
             <a:fld id="{3BB86B50-BCE8-6148-9A82-B9A03E5DB24C}" type="datetimeFigureOut">
               <a:rPr lang="en-US" smtClean="0"/>
-              <a:t>8/2/24</a:t>
+              <a:t>8/6/24</a:t>
             </a:fld>
             <a:endParaRPr lang="en-US"/>
           </a:p>
@@ -1825,7 +1830,7 @@
           <a:p>
             <a:fld id="{3BB86B50-BCE8-6148-9A82-B9A03E5DB24C}" type="datetimeFigureOut">
               <a:rPr lang="en-US" smtClean="0"/>
-              <a:t>8/2/24</a:t>
+              <a:t>8/6/24</a:t>
             </a:fld>
             <a:endParaRPr lang="en-US"/>
           </a:p>
@@ -1967,7 +1972,7 @@
           <a:p>
             <a:fld id="{3BB86B50-BCE8-6148-9A82-B9A03E5DB24C}" type="datetimeFigureOut">
               <a:rPr lang="en-US" smtClean="0"/>
-              <a:t>8/2/24</a:t>
+              <a:t>8/6/24</a:t>
             </a:fld>
             <a:endParaRPr lang="en-US"/>
           </a:p>
@@ -2080,7 +2085,7 @@
           <a:p>
             <a:fld id="{3BB86B50-BCE8-6148-9A82-B9A03E5DB24C}" type="datetimeFigureOut">
               <a:rPr lang="en-US" smtClean="0"/>
-              <a:t>8/2/24</a:t>
+              <a:t>8/6/24</a:t>
             </a:fld>
             <a:endParaRPr lang="en-US"/>
           </a:p>
@@ -2393,7 +2398,7 @@
           <a:p>
             <a:fld id="{3BB86B50-BCE8-6148-9A82-B9A03E5DB24C}" type="datetimeFigureOut">
               <a:rPr lang="en-US" smtClean="0"/>
-              <a:t>8/2/24</a:t>
+              <a:t>8/6/24</a:t>
             </a:fld>
             <a:endParaRPr lang="en-US"/>
           </a:p>
@@ -2682,7 +2687,7 @@
           <a:p>
             <a:fld id="{3BB86B50-BCE8-6148-9A82-B9A03E5DB24C}" type="datetimeFigureOut">
               <a:rPr lang="en-US" smtClean="0"/>
-              <a:t>8/2/24</a:t>
+              <a:t>8/6/24</a:t>
             </a:fld>
             <a:endParaRPr lang="en-US"/>
           </a:p>
@@ -2925,7 +2930,7 @@
           <a:p>
             <a:fld id="{3BB86B50-BCE8-6148-9A82-B9A03E5DB24C}" type="datetimeFigureOut">
               <a:rPr lang="en-US" smtClean="0"/>
-              <a:t>8/2/24</a:t>
+              <a:t>8/6/24</a:t>
             </a:fld>
             <a:endParaRPr lang="en-US"/>
           </a:p>
@@ -3851,8 +3856,8 @@
           </a:p>
         </p:txBody>
       </p:sp>
-      <mc:AlternateContent xmlns:mc="http://schemas.openxmlformats.org/markup-compatibility/2006">
-        <mc:Choice xmlns:a14="http://schemas.microsoft.com/office/drawing/2010/main" Requires="a14">
+      <mc:AlternateContent xmlns:mc="http://schemas.openxmlformats.org/markup-compatibility/2006" xmlns:a14="http://schemas.microsoft.com/office/drawing/2010/main">
+        <mc:Choice Requires="a14">
           <p:sp>
             <p:nvSpPr>
               <p:cNvPr id="15" name="TextBox 14">
@@ -3881,6 +3886,7 @@
               </a:bodyPr>
               <a:lstStyle/>
               <a:p>
+                <a:pPr/>
                 <a14:m>
                   <m:oMathPara xmlns:m="http://schemas.openxmlformats.org/officeDocument/2006/math">
                     <m:oMathParaPr>
@@ -3920,7 +3926,7 @@
             </p:txBody>
           </p:sp>
         </mc:Choice>
-        <mc:Fallback>
+        <mc:Fallback xmlns="">
           <p:sp>
             <p:nvSpPr>
               <p:cNvPr id="15" name="TextBox 14">
@@ -3965,8 +3971,8 @@
           </p:sp>
         </mc:Fallback>
       </mc:AlternateContent>
-      <mc:AlternateContent xmlns:mc="http://schemas.openxmlformats.org/markup-compatibility/2006">
-        <mc:Choice xmlns:a14="http://schemas.microsoft.com/office/drawing/2010/main" Requires="a14">
+      <mc:AlternateContent xmlns:mc="http://schemas.openxmlformats.org/markup-compatibility/2006" xmlns:a14="http://schemas.microsoft.com/office/drawing/2010/main">
+        <mc:Choice Requires="a14">
           <p:sp>
             <p:nvSpPr>
               <p:cNvPr id="16" name="TextBox 15">
@@ -3995,6 +4001,7 @@
               </a:bodyPr>
               <a:lstStyle/>
               <a:p>
+                <a:pPr/>
                 <a14:m>
                   <m:oMathPara xmlns:m="http://schemas.openxmlformats.org/officeDocument/2006/math">
                     <m:oMathParaPr>
@@ -4034,7 +4041,7 @@
             </p:txBody>
           </p:sp>
         </mc:Choice>
-        <mc:Fallback>
+        <mc:Fallback xmlns="">
           <p:sp>
             <p:nvSpPr>
               <p:cNvPr id="16" name="TextBox 15">
@@ -4079,8 +4086,8 @@
           </p:sp>
         </mc:Fallback>
       </mc:AlternateContent>
-      <mc:AlternateContent xmlns:mc="http://schemas.openxmlformats.org/markup-compatibility/2006">
-        <mc:Choice xmlns:a14="http://schemas.microsoft.com/office/drawing/2010/main" Requires="a14">
+      <mc:AlternateContent xmlns:mc="http://schemas.openxmlformats.org/markup-compatibility/2006" xmlns:a14="http://schemas.microsoft.com/office/drawing/2010/main">
+        <mc:Choice Requires="a14">
           <p:sp>
             <p:nvSpPr>
               <p:cNvPr id="17" name="TextBox 16">
@@ -4109,6 +4116,7 @@
               </a:bodyPr>
               <a:lstStyle/>
               <a:p>
+                <a:pPr/>
                 <a14:m>
                   <m:oMathPara xmlns:m="http://schemas.openxmlformats.org/officeDocument/2006/math">
                     <m:oMathParaPr>
@@ -4148,7 +4156,7 @@
             </p:txBody>
           </p:sp>
         </mc:Choice>
-        <mc:Fallback>
+        <mc:Fallback xmlns="">
           <p:sp>
             <p:nvSpPr>
               <p:cNvPr id="17" name="TextBox 16">
@@ -4193,8 +4201,8 @@
           </p:sp>
         </mc:Fallback>
       </mc:AlternateContent>
-      <mc:AlternateContent xmlns:mc="http://schemas.openxmlformats.org/markup-compatibility/2006">
-        <mc:Choice xmlns:a14="http://schemas.microsoft.com/office/drawing/2010/main" Requires="a14">
+      <mc:AlternateContent xmlns:mc="http://schemas.openxmlformats.org/markup-compatibility/2006" xmlns:a14="http://schemas.microsoft.com/office/drawing/2010/main">
+        <mc:Choice Requires="a14">
           <p:sp>
             <p:nvSpPr>
               <p:cNvPr id="18" name="TextBox 17">
@@ -4223,6 +4231,7 @@
               </a:bodyPr>
               <a:lstStyle/>
               <a:p>
+                <a:pPr/>
                 <a14:m>
                   <m:oMathPara xmlns:m="http://schemas.openxmlformats.org/officeDocument/2006/math">
                     <m:oMathParaPr>
@@ -4262,7 +4271,7 @@
             </p:txBody>
           </p:sp>
         </mc:Choice>
-        <mc:Fallback>
+        <mc:Fallback xmlns="">
           <p:sp>
             <p:nvSpPr>
               <p:cNvPr id="18" name="TextBox 17">
@@ -4728,8 +4737,8 @@
           </a:p>
         </p:txBody>
       </p:sp>
-      <mc:AlternateContent xmlns:mc="http://schemas.openxmlformats.org/markup-compatibility/2006">
-        <mc:Choice xmlns:a14="http://schemas.microsoft.com/office/drawing/2010/main" Requires="a14">
+      <mc:AlternateContent xmlns:mc="http://schemas.openxmlformats.org/markup-compatibility/2006" xmlns:a14="http://schemas.microsoft.com/office/drawing/2010/main">
+        <mc:Choice Requires="a14">
           <p:sp>
             <p:nvSpPr>
               <p:cNvPr id="37" name="TextBox 36">
@@ -4758,6 +4767,7 @@
               </a:bodyPr>
               <a:lstStyle/>
               <a:p>
+                <a:pPr/>
                 <a14:m>
                   <m:oMathPara xmlns:m="http://schemas.openxmlformats.org/officeDocument/2006/math">
                     <m:oMathParaPr>
@@ -4815,7 +4825,7 @@
             </p:txBody>
           </p:sp>
         </mc:Choice>
-        <mc:Fallback>
+        <mc:Fallback xmlns="">
           <p:sp>
             <p:nvSpPr>
               <p:cNvPr id="37" name="TextBox 36">
@@ -5405,10 +5415,10 @@
       </p:sp>
       <p:sp>
         <p:nvSpPr>
-          <p:cNvPr id="63" name="Rectangle 62">
-            <a:extLst>
-              <a:ext uri="{FF2B5EF4-FFF2-40B4-BE49-F238E27FC236}">
-                <a16:creationId xmlns:a16="http://schemas.microsoft.com/office/drawing/2014/main" id="{C4762859-0847-B41A-076C-8E61B587954B}"/>
+          <p:cNvPr id="67" name="Striped Right Arrow 66">
+            <a:extLst>
+              <a:ext uri="{FF2B5EF4-FFF2-40B4-BE49-F238E27FC236}">
+                <a16:creationId xmlns:a16="http://schemas.microsoft.com/office/drawing/2014/main" id="{FD64968A-37A0-A633-8F3D-527BAC42D239}"/>
               </a:ext>
             </a:extLst>
           </p:cNvPr>
@@ -5417,8 +5427,93 @@
         </p:nvSpPr>
         <p:spPr>
           <a:xfrm>
-            <a:off x="7108632" y="4587903"/>
-            <a:ext cx="1660635" cy="459827"/>
+            <a:off x="6709785" y="5592299"/>
+            <a:ext cx="420416" cy="312027"/>
+          </a:xfrm>
+          <a:prstGeom prst="stripedRightArrow">
+            <a:avLst/>
+          </a:prstGeom>
+          <a:ln>
+            <a:solidFill>
+              <a:schemeClr val="tx1"/>
+            </a:solidFill>
+          </a:ln>
+        </p:spPr>
+        <p:style>
+          <a:lnRef idx="2">
+            <a:schemeClr val="accent6"/>
+          </a:lnRef>
+          <a:fillRef idx="1">
+            <a:schemeClr val="lt1"/>
+          </a:fillRef>
+          <a:effectRef idx="0">
+            <a:schemeClr val="accent6"/>
+          </a:effectRef>
+          <a:fontRef idx="minor">
+            <a:schemeClr val="dk1"/>
+          </a:fontRef>
+        </p:style>
+        <p:txBody>
+          <a:bodyPr rtlCol="0" anchor="ctr"/>
+          <a:lstStyle/>
+          <a:p>
+            <a:pPr algn="ctr"/>
+            <a:endParaRPr lang="en-US"/>
+          </a:p>
+        </p:txBody>
+      </p:sp>
+      <p:pic>
+        <p:nvPicPr>
+          <p:cNvPr id="69" name="Graphic 68" descr="Leaf outline">
+            <a:extLst>
+              <a:ext uri="{FF2B5EF4-FFF2-40B4-BE49-F238E27FC236}">
+                <a16:creationId xmlns:a16="http://schemas.microsoft.com/office/drawing/2014/main" id="{8FE40445-24F9-AB22-EB69-27972267BC77}"/>
+              </a:ext>
+            </a:extLst>
+          </p:cNvPr>
+          <p:cNvPicPr>
+            <a:picLocks noChangeAspect="1"/>
+          </p:cNvPicPr>
+          <p:nvPr/>
+        </p:nvPicPr>
+        <p:blipFill>
+          <a:blip r:embed="rId25">
+            <a:extLst>
+              <a:ext uri="{96DAC541-7B7A-43D3-8B79-37D633B846F1}">
+                <asvg:svgBlip xmlns:asvg="http://schemas.microsoft.com/office/drawing/2016/SVG/main" r:embed="rId26"/>
+              </a:ext>
+            </a:extLst>
+          </a:blip>
+          <a:stretch>
+            <a:fillRect/>
+          </a:stretch>
+        </p:blipFill>
+        <p:spPr>
+          <a:xfrm>
+            <a:off x="7259309" y="5544326"/>
+            <a:ext cx="360000" cy="360000"/>
+          </a:xfrm>
+          <a:prstGeom prst="rect">
+            <a:avLst/>
+          </a:prstGeom>
+        </p:spPr>
+      </p:pic>
+      <p:sp>
+        <p:nvSpPr>
+          <p:cNvPr id="70" name="Rectangle 69">
+            <a:extLst>
+              <a:ext uri="{FF2B5EF4-FFF2-40B4-BE49-F238E27FC236}">
+                <a16:creationId xmlns:a16="http://schemas.microsoft.com/office/drawing/2014/main" id="{9B46FB8F-62A6-B2A1-8014-D4D41084DE66}"/>
+              </a:ext>
+            </a:extLst>
+          </p:cNvPr>
+          <p:cNvSpPr/>
+          <p:nvPr/>
+        </p:nvSpPr>
+        <p:spPr>
+          <a:xfrm>
+            <a:off x="7748418" y="5504299"/>
+            <a:ext cx="1019066" cy="459827"/>
           </a:xfrm>
           <a:prstGeom prst="rect">
             <a:avLst/>
@@ -5450,17 +5545,17 @@
             <a:pPr algn="ctr"/>
             <a:r>
               <a:rPr lang="en-US" sz="1200" dirty="0"/>
-              <a:t>Import and Export Inventories</a:t>
-            </a:r>
-          </a:p>
-        </p:txBody>
-      </p:sp>
-      <p:sp>
-        <p:nvSpPr>
-          <p:cNvPr id="64" name="Striped Right Arrow 63">
-            <a:extLst>
-              <a:ext uri="{FF2B5EF4-FFF2-40B4-BE49-F238E27FC236}">
-                <a16:creationId xmlns:a16="http://schemas.microsoft.com/office/drawing/2014/main" id="{213E54E1-2CDB-2701-3541-38B35CEE6A01}"/>
+              <a:t>Planting Acre</a:t>
+            </a:r>
+          </a:p>
+        </p:txBody>
+      </p:sp>
+      <p:sp>
+        <p:nvSpPr>
+          <p:cNvPr id="72" name="Striped Right Arrow 71">
+            <a:extLst>
+              <a:ext uri="{FF2B5EF4-FFF2-40B4-BE49-F238E27FC236}">
+                <a16:creationId xmlns:a16="http://schemas.microsoft.com/office/drawing/2014/main" id="{F14C2CBA-02C1-1BB5-5A7E-58A05ECF3C3A}"/>
               </a:ext>
             </a:extLst>
           </p:cNvPr>
@@ -5468,8 +5563,8 @@
           <p:nvPr/>
         </p:nvSpPr>
         <p:spPr>
-          <a:xfrm>
-            <a:off x="6234086" y="4659482"/>
+          <a:xfrm rot="10800000">
+            <a:off x="8901225" y="1672141"/>
             <a:ext cx="420416" cy="312027"/>
           </a:xfrm>
           <a:prstGeom prst="stripedRightArrow">
@@ -5504,48 +5599,64 @@
           </a:p>
         </p:txBody>
       </p:sp>
-      <p:pic>
-        <p:nvPicPr>
-          <p:cNvPr id="66" name="Graphic 65" descr="Clipboard Partially Ticked outline">
-            <a:extLst>
-              <a:ext uri="{FF2B5EF4-FFF2-40B4-BE49-F238E27FC236}">
-                <a16:creationId xmlns:a16="http://schemas.microsoft.com/office/drawing/2014/main" id="{568B2B5F-0EC4-8560-9566-8F64C68670CD}"/>
-              </a:ext>
-            </a:extLst>
-          </p:cNvPr>
-          <p:cNvPicPr>
-            <a:picLocks noChangeAspect="1"/>
-          </p:cNvPicPr>
+      <p:sp>
+        <p:nvSpPr>
+          <p:cNvPr id="73" name="Rectangle 72">
+            <a:extLst>
+              <a:ext uri="{FF2B5EF4-FFF2-40B4-BE49-F238E27FC236}">
+                <a16:creationId xmlns:a16="http://schemas.microsoft.com/office/drawing/2014/main" id="{FD61E5EF-845A-6C0E-C4AA-0FBC7CA0C388}"/>
+              </a:ext>
+            </a:extLst>
+          </p:cNvPr>
+          <p:cNvSpPr/>
           <p:nvPr/>
-        </p:nvPicPr>
-        <p:blipFill>
-          <a:blip r:embed="rId25">
-            <a:extLst>
-              <a:ext uri="{96DAC541-7B7A-43D3-8B79-37D633B846F1}">
-                <asvg:svgBlip xmlns:asvg="http://schemas.microsoft.com/office/drawing/2016/SVG/main" r:embed="rId26"/>
-              </a:ext>
-            </a:extLst>
-          </a:blip>
-          <a:stretch>
-            <a:fillRect/>
-          </a:stretch>
-        </p:blipFill>
-        <p:spPr>
-          <a:xfrm>
-            <a:off x="6709785" y="4635495"/>
-            <a:ext cx="360000" cy="360000"/>
+        </p:nvSpPr>
+        <p:spPr>
+          <a:xfrm>
+            <a:off x="9452055" y="1600958"/>
+            <a:ext cx="1660635" cy="459827"/>
           </a:xfrm>
           <a:prstGeom prst="rect">
             <a:avLst/>
           </a:prstGeom>
-        </p:spPr>
-      </p:pic>
-      <p:sp>
-        <p:nvSpPr>
-          <p:cNvPr id="67" name="Striped Right Arrow 66">
-            <a:extLst>
-              <a:ext uri="{FF2B5EF4-FFF2-40B4-BE49-F238E27FC236}">
-                <a16:creationId xmlns:a16="http://schemas.microsoft.com/office/drawing/2014/main" id="{FD64968A-37A0-A633-8F3D-527BAC42D239}"/>
+          <a:ln>
+            <a:solidFill>
+              <a:schemeClr val="tx1"/>
+            </a:solidFill>
+          </a:ln>
+        </p:spPr>
+        <p:style>
+          <a:lnRef idx="2">
+            <a:schemeClr val="accent6"/>
+          </a:lnRef>
+          <a:fillRef idx="1">
+            <a:schemeClr val="lt1"/>
+          </a:fillRef>
+          <a:effectRef idx="0">
+            <a:schemeClr val="accent6"/>
+          </a:effectRef>
+          <a:fontRef idx="minor">
+            <a:schemeClr val="dk1"/>
+          </a:fontRef>
+        </p:style>
+        <p:txBody>
+          <a:bodyPr rtlCol="0" anchor="ctr"/>
+          <a:lstStyle/>
+          <a:p>
+            <a:pPr algn="ctr"/>
+            <a:r>
+              <a:rPr lang="en-US" sz="1200" dirty="0"/>
+              <a:t>Smooth Term</a:t>
+            </a:r>
+          </a:p>
+        </p:txBody>
+      </p:sp>
+      <p:sp>
+        <p:nvSpPr>
+          <p:cNvPr id="74" name="Rectangle 73">
+            <a:extLst>
+              <a:ext uri="{FF2B5EF4-FFF2-40B4-BE49-F238E27FC236}">
+                <a16:creationId xmlns:a16="http://schemas.microsoft.com/office/drawing/2014/main" id="{17D1AA15-1B77-6B26-0BBE-D48364F1BF3A}"/>
               </a:ext>
             </a:extLst>
           </p:cNvPr>
@@ -5554,7 +5665,59 @@
         </p:nvSpPr>
         <p:spPr>
           <a:xfrm>
-            <a:off x="6709785" y="5592299"/>
+            <a:off x="9452055" y="2047488"/>
+            <a:ext cx="1660635" cy="3916638"/>
+          </a:xfrm>
+          <a:prstGeom prst="rect">
+            <a:avLst/>
+          </a:prstGeom>
+          <a:ln>
+            <a:solidFill>
+              <a:schemeClr val="tx1"/>
+            </a:solidFill>
+          </a:ln>
+        </p:spPr>
+        <p:style>
+          <a:lnRef idx="2">
+            <a:schemeClr val="accent6"/>
+          </a:lnRef>
+          <a:fillRef idx="1">
+            <a:schemeClr val="lt1"/>
+          </a:fillRef>
+          <a:effectRef idx="0">
+            <a:schemeClr val="accent6"/>
+          </a:effectRef>
+          <a:fontRef idx="minor">
+            <a:schemeClr val="dk1"/>
+          </a:fontRef>
+        </p:style>
+        <p:txBody>
+          <a:bodyPr rtlCol="0" anchor="ctr"/>
+          <a:lstStyle/>
+          <a:p>
+            <a:pPr algn="ctr"/>
+            <a:r>
+              <a:rPr lang="en-US" sz="1200" dirty="0"/>
+              <a:t>Regular Term</a:t>
+            </a:r>
+          </a:p>
+        </p:txBody>
+      </p:sp>
+      <p:sp>
+        <p:nvSpPr>
+          <p:cNvPr id="75" name="Striped Right Arrow 74">
+            <a:extLst>
+              <a:ext uri="{FF2B5EF4-FFF2-40B4-BE49-F238E27FC236}">
+                <a16:creationId xmlns:a16="http://schemas.microsoft.com/office/drawing/2014/main" id="{24D5BDF9-7BAC-391A-F046-D3EB4B0F0758}"/>
+              </a:ext>
+            </a:extLst>
+          </p:cNvPr>
+          <p:cNvSpPr/>
+          <p:nvPr/>
+        </p:nvSpPr>
+        <p:spPr>
+          <a:xfrm rot="10800000">
+            <a:off x="8901225" y="3849794"/>
             <a:ext cx="420416" cy="312027"/>
           </a:xfrm>
           <a:prstGeom prst="stripedRightArrow">
@@ -5591,10 +5754,10 @@
       </p:sp>
       <p:pic>
         <p:nvPicPr>
-          <p:cNvPr id="69" name="Graphic 68" descr="Leaf outline">
-            <a:extLst>
-              <a:ext uri="{FF2B5EF4-FFF2-40B4-BE49-F238E27FC236}">
-                <a16:creationId xmlns:a16="http://schemas.microsoft.com/office/drawing/2014/main" id="{8FE40445-24F9-AB22-EB69-27972267BC77}"/>
+          <p:cNvPr id="77" name="Graphic 76" descr="Store outline">
+            <a:extLst>
+              <a:ext uri="{FF2B5EF4-FFF2-40B4-BE49-F238E27FC236}">
+                <a16:creationId xmlns:a16="http://schemas.microsoft.com/office/drawing/2014/main" id="{E61BF4FF-9CBC-94E6-DDAE-1F4D475D6676}"/>
               </a:ext>
             </a:extLst>
           </p:cNvPr>
@@ -5608,296 +5771,6 @@
             <a:extLst>
               <a:ext uri="{96DAC541-7B7A-43D3-8B79-37D633B846F1}">
                 <asvg:svgBlip xmlns:asvg="http://schemas.microsoft.com/office/drawing/2016/SVG/main" r:embed="rId28"/>
-              </a:ext>
-            </a:extLst>
-          </a:blip>
-          <a:stretch>
-            <a:fillRect/>
-          </a:stretch>
-        </p:blipFill>
-        <p:spPr>
-          <a:xfrm>
-            <a:off x="7259309" y="5544326"/>
-            <a:ext cx="360000" cy="360000"/>
-          </a:xfrm>
-          <a:prstGeom prst="rect">
-            <a:avLst/>
-          </a:prstGeom>
-        </p:spPr>
-      </p:pic>
-      <p:sp>
-        <p:nvSpPr>
-          <p:cNvPr id="70" name="Rectangle 69">
-            <a:extLst>
-              <a:ext uri="{FF2B5EF4-FFF2-40B4-BE49-F238E27FC236}">
-                <a16:creationId xmlns:a16="http://schemas.microsoft.com/office/drawing/2014/main" id="{9B46FB8F-62A6-B2A1-8014-D4D41084DE66}"/>
-              </a:ext>
-            </a:extLst>
-          </p:cNvPr>
-          <p:cNvSpPr/>
-          <p:nvPr/>
-        </p:nvSpPr>
-        <p:spPr>
-          <a:xfrm>
-            <a:off x="7748418" y="5504299"/>
-            <a:ext cx="1573224" cy="459827"/>
-          </a:xfrm>
-          <a:prstGeom prst="rect">
-            <a:avLst/>
-          </a:prstGeom>
-          <a:ln>
-            <a:solidFill>
-              <a:schemeClr val="tx1"/>
-            </a:solidFill>
-          </a:ln>
-        </p:spPr>
-        <p:style>
-          <a:lnRef idx="2">
-            <a:schemeClr val="accent6"/>
-          </a:lnRef>
-          <a:fillRef idx="1">
-            <a:schemeClr val="lt1"/>
-          </a:fillRef>
-          <a:effectRef idx="0">
-            <a:schemeClr val="accent6"/>
-          </a:effectRef>
-          <a:fontRef idx="minor">
-            <a:schemeClr val="dk1"/>
-          </a:fontRef>
-        </p:style>
-        <p:txBody>
-          <a:bodyPr rtlCol="0" anchor="ctr"/>
-          <a:lstStyle/>
-          <a:p>
-            <a:pPr algn="ctr"/>
-            <a:r>
-              <a:rPr lang="en-US" sz="1200" dirty="0"/>
-              <a:t>Planting Acre</a:t>
-            </a:r>
-          </a:p>
-        </p:txBody>
-      </p:sp>
-      <p:sp>
-        <p:nvSpPr>
-          <p:cNvPr id="72" name="Striped Right Arrow 71">
-            <a:extLst>
-              <a:ext uri="{FF2B5EF4-FFF2-40B4-BE49-F238E27FC236}">
-                <a16:creationId xmlns:a16="http://schemas.microsoft.com/office/drawing/2014/main" id="{F14C2CBA-02C1-1BB5-5A7E-58A05ECF3C3A}"/>
-              </a:ext>
-            </a:extLst>
-          </p:cNvPr>
-          <p:cNvSpPr/>
-          <p:nvPr/>
-        </p:nvSpPr>
-        <p:spPr>
-          <a:xfrm rot="10800000">
-            <a:off x="8901225" y="1672141"/>
-            <a:ext cx="420416" cy="312027"/>
-          </a:xfrm>
-          <a:prstGeom prst="stripedRightArrow">
-            <a:avLst/>
-          </a:prstGeom>
-          <a:ln>
-            <a:solidFill>
-              <a:schemeClr val="tx1"/>
-            </a:solidFill>
-          </a:ln>
-        </p:spPr>
-        <p:style>
-          <a:lnRef idx="2">
-            <a:schemeClr val="accent6"/>
-          </a:lnRef>
-          <a:fillRef idx="1">
-            <a:schemeClr val="lt1"/>
-          </a:fillRef>
-          <a:effectRef idx="0">
-            <a:schemeClr val="accent6"/>
-          </a:effectRef>
-          <a:fontRef idx="minor">
-            <a:schemeClr val="dk1"/>
-          </a:fontRef>
-        </p:style>
-        <p:txBody>
-          <a:bodyPr rtlCol="0" anchor="ctr"/>
-          <a:lstStyle/>
-          <a:p>
-            <a:pPr algn="ctr"/>
-            <a:endParaRPr lang="en-US"/>
-          </a:p>
-        </p:txBody>
-      </p:sp>
-      <p:sp>
-        <p:nvSpPr>
-          <p:cNvPr id="73" name="Rectangle 72">
-            <a:extLst>
-              <a:ext uri="{FF2B5EF4-FFF2-40B4-BE49-F238E27FC236}">
-                <a16:creationId xmlns:a16="http://schemas.microsoft.com/office/drawing/2014/main" id="{FD61E5EF-845A-6C0E-C4AA-0FBC7CA0C388}"/>
-              </a:ext>
-            </a:extLst>
-          </p:cNvPr>
-          <p:cNvSpPr/>
-          <p:nvPr/>
-        </p:nvSpPr>
-        <p:spPr>
-          <a:xfrm>
-            <a:off x="9452055" y="1600958"/>
-            <a:ext cx="1660635" cy="459827"/>
-          </a:xfrm>
-          <a:prstGeom prst="rect">
-            <a:avLst/>
-          </a:prstGeom>
-          <a:ln>
-            <a:solidFill>
-              <a:schemeClr val="tx1"/>
-            </a:solidFill>
-          </a:ln>
-        </p:spPr>
-        <p:style>
-          <a:lnRef idx="2">
-            <a:schemeClr val="accent6"/>
-          </a:lnRef>
-          <a:fillRef idx="1">
-            <a:schemeClr val="lt1"/>
-          </a:fillRef>
-          <a:effectRef idx="0">
-            <a:schemeClr val="accent6"/>
-          </a:effectRef>
-          <a:fontRef idx="minor">
-            <a:schemeClr val="dk1"/>
-          </a:fontRef>
-        </p:style>
-        <p:txBody>
-          <a:bodyPr rtlCol="0" anchor="ctr"/>
-          <a:lstStyle/>
-          <a:p>
-            <a:pPr algn="ctr"/>
-            <a:r>
-              <a:rPr lang="en-US" sz="1200" dirty="0"/>
-              <a:t>Smooth Term</a:t>
-            </a:r>
-          </a:p>
-        </p:txBody>
-      </p:sp>
-      <p:sp>
-        <p:nvSpPr>
-          <p:cNvPr id="74" name="Rectangle 73">
-            <a:extLst>
-              <a:ext uri="{FF2B5EF4-FFF2-40B4-BE49-F238E27FC236}">
-                <a16:creationId xmlns:a16="http://schemas.microsoft.com/office/drawing/2014/main" id="{17D1AA15-1B77-6B26-0BBE-D48364F1BF3A}"/>
-              </a:ext>
-            </a:extLst>
-          </p:cNvPr>
-          <p:cNvSpPr/>
-          <p:nvPr/>
-        </p:nvSpPr>
-        <p:spPr>
-          <a:xfrm>
-            <a:off x="9452055" y="2047488"/>
-            <a:ext cx="1660635" cy="3916638"/>
-          </a:xfrm>
-          <a:prstGeom prst="rect">
-            <a:avLst/>
-          </a:prstGeom>
-          <a:ln>
-            <a:solidFill>
-              <a:schemeClr val="tx1"/>
-            </a:solidFill>
-          </a:ln>
-        </p:spPr>
-        <p:style>
-          <a:lnRef idx="2">
-            <a:schemeClr val="accent6"/>
-          </a:lnRef>
-          <a:fillRef idx="1">
-            <a:schemeClr val="lt1"/>
-          </a:fillRef>
-          <a:effectRef idx="0">
-            <a:schemeClr val="accent6"/>
-          </a:effectRef>
-          <a:fontRef idx="minor">
-            <a:schemeClr val="dk1"/>
-          </a:fontRef>
-        </p:style>
-        <p:txBody>
-          <a:bodyPr rtlCol="0" anchor="ctr"/>
-          <a:lstStyle/>
-          <a:p>
-            <a:pPr algn="ctr"/>
-            <a:r>
-              <a:rPr lang="en-US" sz="1200" dirty="0"/>
-              <a:t>Regular Term</a:t>
-            </a:r>
-          </a:p>
-        </p:txBody>
-      </p:sp>
-      <p:sp>
-        <p:nvSpPr>
-          <p:cNvPr id="75" name="Striped Right Arrow 74">
-            <a:extLst>
-              <a:ext uri="{FF2B5EF4-FFF2-40B4-BE49-F238E27FC236}">
-                <a16:creationId xmlns:a16="http://schemas.microsoft.com/office/drawing/2014/main" id="{24D5BDF9-7BAC-391A-F046-D3EB4B0F0758}"/>
-              </a:ext>
-            </a:extLst>
-          </p:cNvPr>
-          <p:cNvSpPr/>
-          <p:nvPr/>
-        </p:nvSpPr>
-        <p:spPr>
-          <a:xfrm rot="10800000">
-            <a:off x="8901225" y="3849794"/>
-            <a:ext cx="420416" cy="312027"/>
-          </a:xfrm>
-          <a:prstGeom prst="stripedRightArrow">
-            <a:avLst/>
-          </a:prstGeom>
-          <a:ln>
-            <a:solidFill>
-              <a:schemeClr val="tx1"/>
-            </a:solidFill>
-          </a:ln>
-        </p:spPr>
-        <p:style>
-          <a:lnRef idx="2">
-            <a:schemeClr val="accent6"/>
-          </a:lnRef>
-          <a:fillRef idx="1">
-            <a:schemeClr val="lt1"/>
-          </a:fillRef>
-          <a:effectRef idx="0">
-            <a:schemeClr val="accent6"/>
-          </a:effectRef>
-          <a:fontRef idx="minor">
-            <a:schemeClr val="dk1"/>
-          </a:fontRef>
-        </p:style>
-        <p:txBody>
-          <a:bodyPr rtlCol="0" anchor="ctr"/>
-          <a:lstStyle/>
-          <a:p>
-            <a:pPr algn="ctr"/>
-            <a:endParaRPr lang="en-US"/>
-          </a:p>
-        </p:txBody>
-      </p:sp>
-      <p:pic>
-        <p:nvPicPr>
-          <p:cNvPr id="77" name="Graphic 76" descr="Store outline">
-            <a:extLst>
-              <a:ext uri="{FF2B5EF4-FFF2-40B4-BE49-F238E27FC236}">
-                <a16:creationId xmlns:a16="http://schemas.microsoft.com/office/drawing/2014/main" id="{E61BF4FF-9CBC-94E6-DDAE-1F4D475D6676}"/>
-              </a:ext>
-            </a:extLst>
-          </p:cNvPr>
-          <p:cNvPicPr>
-            <a:picLocks noChangeAspect="1"/>
-          </p:cNvPicPr>
-          <p:nvPr/>
-        </p:nvPicPr>
-        <p:blipFill>
-          <a:blip r:embed="rId29">
-            <a:extLst>
-              <a:ext uri="{96DAC541-7B7A-43D3-8B79-37D633B846F1}">
-                <asvg:svgBlip xmlns:asvg="http://schemas.microsoft.com/office/drawing/2016/SVG/main" r:embed="rId30"/>
               </a:ext>
             </a:extLst>
           </a:blip>
@@ -7138,6 +7011,649 @@
           </a:fontRef>
         </p:style>
       </p:cxnSp>
+      <p:sp>
+        <p:nvSpPr>
+          <p:cNvPr id="86" name="Left Brace 85">
+            <a:extLst>
+              <a:ext uri="{FF2B5EF4-FFF2-40B4-BE49-F238E27FC236}">
+                <a16:creationId xmlns:a16="http://schemas.microsoft.com/office/drawing/2014/main" id="{8CC67169-7285-4F5B-0E32-EDF94340DDB5}"/>
+              </a:ext>
+            </a:extLst>
+          </p:cNvPr>
+          <p:cNvSpPr/>
+          <p:nvPr/>
+        </p:nvSpPr>
+        <p:spPr>
+          <a:xfrm>
+            <a:off x="6288732" y="4609403"/>
+            <a:ext cx="276595" cy="459827"/>
+          </a:xfrm>
+          <a:prstGeom prst="leftBrace">
+            <a:avLst/>
+          </a:prstGeom>
+          <a:ln w="19050"/>
+        </p:spPr>
+        <p:style>
+          <a:lnRef idx="1">
+            <a:schemeClr val="dk1"/>
+          </a:lnRef>
+          <a:fillRef idx="0">
+            <a:schemeClr val="dk1"/>
+          </a:fillRef>
+          <a:effectRef idx="0">
+            <a:schemeClr val="dk1"/>
+          </a:effectRef>
+          <a:fontRef idx="minor">
+            <a:schemeClr val="tx1"/>
+          </a:fontRef>
+        </p:style>
+        <p:txBody>
+          <a:bodyPr rtlCol="0" anchor="ctr"/>
+          <a:lstStyle/>
+          <a:p>
+            <a:pPr algn="ctr"/>
+            <a:endParaRPr lang="en-US"/>
+          </a:p>
+        </p:txBody>
+      </p:sp>
+      <p:sp>
+        <p:nvSpPr>
+          <p:cNvPr id="87" name="Rectangle 86">
+            <a:extLst>
+              <a:ext uri="{FF2B5EF4-FFF2-40B4-BE49-F238E27FC236}">
+                <a16:creationId xmlns:a16="http://schemas.microsoft.com/office/drawing/2014/main" id="{5EBDE703-7F70-F73F-13EB-304072E76B19}"/>
+              </a:ext>
+            </a:extLst>
+          </p:cNvPr>
+          <p:cNvSpPr/>
+          <p:nvPr/>
+        </p:nvSpPr>
+        <p:spPr>
+          <a:xfrm>
+            <a:off x="7106849" y="4797080"/>
+            <a:ext cx="1660635" cy="459827"/>
+          </a:xfrm>
+          <a:prstGeom prst="rect">
+            <a:avLst/>
+          </a:prstGeom>
+          <a:ln>
+            <a:solidFill>
+              <a:schemeClr val="tx1"/>
+            </a:solidFill>
+          </a:ln>
+        </p:spPr>
+        <p:style>
+          <a:lnRef idx="2">
+            <a:schemeClr val="accent6"/>
+          </a:lnRef>
+          <a:fillRef idx="1">
+            <a:schemeClr val="lt1"/>
+          </a:fillRef>
+          <a:effectRef idx="0">
+            <a:schemeClr val="accent6"/>
+          </a:effectRef>
+          <a:fontRef idx="minor">
+            <a:schemeClr val="dk1"/>
+          </a:fontRef>
+        </p:style>
+        <p:txBody>
+          <a:bodyPr rtlCol="0" anchor="ctr"/>
+          <a:lstStyle>
+            <a:defPPr>
+              <a:defRPr lang="en-US"/>
+            </a:defPPr>
+            <a:lvl1pPr marL="0" algn="l" defTabSz="914400" rtl="0" eaLnBrk="1" latinLnBrk="0" hangingPunct="1">
+              <a:defRPr sz="1800" kern="1200">
+                <a:solidFill>
+                  <a:schemeClr val="dk1"/>
+                </a:solidFill>
+                <a:latin typeface="+mn-lt"/>
+                <a:ea typeface="+mn-ea"/>
+                <a:cs typeface="+mn-cs"/>
+              </a:defRPr>
+            </a:lvl1pPr>
+            <a:lvl2pPr marL="457200" algn="l" defTabSz="914400" rtl="0" eaLnBrk="1" latinLnBrk="0" hangingPunct="1">
+              <a:defRPr sz="1800" kern="1200">
+                <a:solidFill>
+                  <a:schemeClr val="dk1"/>
+                </a:solidFill>
+                <a:latin typeface="+mn-lt"/>
+                <a:ea typeface="+mn-ea"/>
+                <a:cs typeface="+mn-cs"/>
+              </a:defRPr>
+            </a:lvl2pPr>
+            <a:lvl3pPr marL="914400" algn="l" defTabSz="914400" rtl="0" eaLnBrk="1" latinLnBrk="0" hangingPunct="1">
+              <a:defRPr sz="1800" kern="1200">
+                <a:solidFill>
+                  <a:schemeClr val="dk1"/>
+                </a:solidFill>
+                <a:latin typeface="+mn-lt"/>
+                <a:ea typeface="+mn-ea"/>
+                <a:cs typeface="+mn-cs"/>
+              </a:defRPr>
+            </a:lvl3pPr>
+            <a:lvl4pPr marL="1371600" algn="l" defTabSz="914400" rtl="0" eaLnBrk="1" latinLnBrk="0" hangingPunct="1">
+              <a:defRPr sz="1800" kern="1200">
+                <a:solidFill>
+                  <a:schemeClr val="dk1"/>
+                </a:solidFill>
+                <a:latin typeface="+mn-lt"/>
+                <a:ea typeface="+mn-ea"/>
+                <a:cs typeface="+mn-cs"/>
+              </a:defRPr>
+            </a:lvl4pPr>
+            <a:lvl5pPr marL="1828800" algn="l" defTabSz="914400" rtl="0" eaLnBrk="1" latinLnBrk="0" hangingPunct="1">
+              <a:defRPr sz="1800" kern="1200">
+                <a:solidFill>
+                  <a:schemeClr val="dk1"/>
+                </a:solidFill>
+                <a:latin typeface="+mn-lt"/>
+                <a:ea typeface="+mn-ea"/>
+                <a:cs typeface="+mn-cs"/>
+              </a:defRPr>
+            </a:lvl5pPr>
+            <a:lvl6pPr marL="2286000" algn="l" defTabSz="914400" rtl="0" eaLnBrk="1" latinLnBrk="0" hangingPunct="1">
+              <a:defRPr sz="1800" kern="1200">
+                <a:solidFill>
+                  <a:schemeClr val="dk1"/>
+                </a:solidFill>
+                <a:latin typeface="+mn-lt"/>
+                <a:ea typeface="+mn-ea"/>
+                <a:cs typeface="+mn-cs"/>
+              </a:defRPr>
+            </a:lvl6pPr>
+            <a:lvl7pPr marL="2743200" algn="l" defTabSz="914400" rtl="0" eaLnBrk="1" latinLnBrk="0" hangingPunct="1">
+              <a:defRPr sz="1800" kern="1200">
+                <a:solidFill>
+                  <a:schemeClr val="dk1"/>
+                </a:solidFill>
+                <a:latin typeface="+mn-lt"/>
+                <a:ea typeface="+mn-ea"/>
+                <a:cs typeface="+mn-cs"/>
+              </a:defRPr>
+            </a:lvl7pPr>
+            <a:lvl8pPr marL="3200400" algn="l" defTabSz="914400" rtl="0" eaLnBrk="1" latinLnBrk="0" hangingPunct="1">
+              <a:defRPr sz="1800" kern="1200">
+                <a:solidFill>
+                  <a:schemeClr val="dk1"/>
+                </a:solidFill>
+                <a:latin typeface="+mn-lt"/>
+                <a:ea typeface="+mn-ea"/>
+                <a:cs typeface="+mn-cs"/>
+              </a:defRPr>
+            </a:lvl8pPr>
+            <a:lvl9pPr marL="3657600" algn="l" defTabSz="914400" rtl="0" eaLnBrk="1" latinLnBrk="0" hangingPunct="1">
+              <a:defRPr sz="1800" kern="1200">
+                <a:solidFill>
+                  <a:schemeClr val="dk1"/>
+                </a:solidFill>
+                <a:latin typeface="+mn-lt"/>
+                <a:ea typeface="+mn-ea"/>
+                <a:cs typeface="+mn-cs"/>
+              </a:defRPr>
+            </a:lvl9pPr>
+          </a:lstStyle>
+          <a:p>
+            <a:pPr algn="ctr"/>
+            <a:r>
+              <a:rPr lang="en-US" sz="1200" dirty="0"/>
+              <a:t>Export Amount</a:t>
+            </a:r>
+          </a:p>
+        </p:txBody>
+      </p:sp>
+      <p:sp>
+        <p:nvSpPr>
+          <p:cNvPr id="88" name="Rectangle 87">
+            <a:extLst>
+              <a:ext uri="{FF2B5EF4-FFF2-40B4-BE49-F238E27FC236}">
+                <a16:creationId xmlns:a16="http://schemas.microsoft.com/office/drawing/2014/main" id="{C66A41E9-4ACA-D8C9-DD1E-9CFF1CBA6A52}"/>
+              </a:ext>
+            </a:extLst>
+          </p:cNvPr>
+          <p:cNvSpPr/>
+          <p:nvPr/>
+        </p:nvSpPr>
+        <p:spPr>
+          <a:xfrm>
+            <a:off x="7106849" y="4340105"/>
+            <a:ext cx="1660635" cy="459827"/>
+          </a:xfrm>
+          <a:prstGeom prst="rect">
+            <a:avLst/>
+          </a:prstGeom>
+          <a:ln>
+            <a:solidFill>
+              <a:schemeClr val="tx1"/>
+            </a:solidFill>
+          </a:ln>
+        </p:spPr>
+        <p:style>
+          <a:lnRef idx="2">
+            <a:schemeClr val="accent6"/>
+          </a:lnRef>
+          <a:fillRef idx="1">
+            <a:schemeClr val="lt1"/>
+          </a:fillRef>
+          <a:effectRef idx="0">
+            <a:schemeClr val="accent6"/>
+          </a:effectRef>
+          <a:fontRef idx="minor">
+            <a:schemeClr val="dk1"/>
+          </a:fontRef>
+        </p:style>
+        <p:txBody>
+          <a:bodyPr rtlCol="0" anchor="ctr"/>
+          <a:lstStyle>
+            <a:defPPr>
+              <a:defRPr lang="en-US"/>
+            </a:defPPr>
+            <a:lvl1pPr marL="0" algn="l" defTabSz="914400" rtl="0" eaLnBrk="1" latinLnBrk="0" hangingPunct="1">
+              <a:defRPr sz="1800" kern="1200">
+                <a:solidFill>
+                  <a:schemeClr val="dk1"/>
+                </a:solidFill>
+                <a:latin typeface="+mn-lt"/>
+                <a:ea typeface="+mn-ea"/>
+                <a:cs typeface="+mn-cs"/>
+              </a:defRPr>
+            </a:lvl1pPr>
+            <a:lvl2pPr marL="457200" algn="l" defTabSz="914400" rtl="0" eaLnBrk="1" latinLnBrk="0" hangingPunct="1">
+              <a:defRPr sz="1800" kern="1200">
+                <a:solidFill>
+                  <a:schemeClr val="dk1"/>
+                </a:solidFill>
+                <a:latin typeface="+mn-lt"/>
+                <a:ea typeface="+mn-ea"/>
+                <a:cs typeface="+mn-cs"/>
+              </a:defRPr>
+            </a:lvl2pPr>
+            <a:lvl3pPr marL="914400" algn="l" defTabSz="914400" rtl="0" eaLnBrk="1" latinLnBrk="0" hangingPunct="1">
+              <a:defRPr sz="1800" kern="1200">
+                <a:solidFill>
+                  <a:schemeClr val="dk1"/>
+                </a:solidFill>
+                <a:latin typeface="+mn-lt"/>
+                <a:ea typeface="+mn-ea"/>
+                <a:cs typeface="+mn-cs"/>
+              </a:defRPr>
+            </a:lvl3pPr>
+            <a:lvl4pPr marL="1371600" algn="l" defTabSz="914400" rtl="0" eaLnBrk="1" latinLnBrk="0" hangingPunct="1">
+              <a:defRPr sz="1800" kern="1200">
+                <a:solidFill>
+                  <a:schemeClr val="dk1"/>
+                </a:solidFill>
+                <a:latin typeface="+mn-lt"/>
+                <a:ea typeface="+mn-ea"/>
+                <a:cs typeface="+mn-cs"/>
+              </a:defRPr>
+            </a:lvl4pPr>
+            <a:lvl5pPr marL="1828800" algn="l" defTabSz="914400" rtl="0" eaLnBrk="1" latinLnBrk="0" hangingPunct="1">
+              <a:defRPr sz="1800" kern="1200">
+                <a:solidFill>
+                  <a:schemeClr val="dk1"/>
+                </a:solidFill>
+                <a:latin typeface="+mn-lt"/>
+                <a:ea typeface="+mn-ea"/>
+                <a:cs typeface="+mn-cs"/>
+              </a:defRPr>
+            </a:lvl5pPr>
+            <a:lvl6pPr marL="2286000" algn="l" defTabSz="914400" rtl="0" eaLnBrk="1" latinLnBrk="0" hangingPunct="1">
+              <a:defRPr sz="1800" kern="1200">
+                <a:solidFill>
+                  <a:schemeClr val="dk1"/>
+                </a:solidFill>
+                <a:latin typeface="+mn-lt"/>
+                <a:ea typeface="+mn-ea"/>
+                <a:cs typeface="+mn-cs"/>
+              </a:defRPr>
+            </a:lvl6pPr>
+            <a:lvl7pPr marL="2743200" algn="l" defTabSz="914400" rtl="0" eaLnBrk="1" latinLnBrk="0" hangingPunct="1">
+              <a:defRPr sz="1800" kern="1200">
+                <a:solidFill>
+                  <a:schemeClr val="dk1"/>
+                </a:solidFill>
+                <a:latin typeface="+mn-lt"/>
+                <a:ea typeface="+mn-ea"/>
+                <a:cs typeface="+mn-cs"/>
+              </a:defRPr>
+            </a:lvl7pPr>
+            <a:lvl8pPr marL="3200400" algn="l" defTabSz="914400" rtl="0" eaLnBrk="1" latinLnBrk="0" hangingPunct="1">
+              <a:defRPr sz="1800" kern="1200">
+                <a:solidFill>
+                  <a:schemeClr val="dk1"/>
+                </a:solidFill>
+                <a:latin typeface="+mn-lt"/>
+                <a:ea typeface="+mn-ea"/>
+                <a:cs typeface="+mn-cs"/>
+              </a:defRPr>
+            </a:lvl8pPr>
+            <a:lvl9pPr marL="3657600" algn="l" defTabSz="914400" rtl="0" eaLnBrk="1" latinLnBrk="0" hangingPunct="1">
+              <a:defRPr sz="1800" kern="1200">
+                <a:solidFill>
+                  <a:schemeClr val="dk1"/>
+                </a:solidFill>
+                <a:latin typeface="+mn-lt"/>
+                <a:ea typeface="+mn-ea"/>
+                <a:cs typeface="+mn-cs"/>
+              </a:defRPr>
+            </a:lvl9pPr>
+          </a:lstStyle>
+          <a:p>
+            <a:pPr algn="ctr"/>
+            <a:r>
+              <a:rPr lang="en-US" sz="1200" dirty="0"/>
+              <a:t>Poor Law</a:t>
+            </a:r>
+          </a:p>
+        </p:txBody>
+      </p:sp>
+      <p:pic>
+        <p:nvPicPr>
+          <p:cNvPr id="3" name="Graphic 2" descr="Scales of justice outline">
+            <a:extLst>
+              <a:ext uri="{FF2B5EF4-FFF2-40B4-BE49-F238E27FC236}">
+                <a16:creationId xmlns:a16="http://schemas.microsoft.com/office/drawing/2014/main" id="{80E27CE6-0046-DD1C-D512-74F8ABDBF85B}"/>
+              </a:ext>
+            </a:extLst>
+          </p:cNvPr>
+          <p:cNvPicPr>
+            <a:picLocks noChangeAspect="1"/>
+          </p:cNvPicPr>
+          <p:nvPr/>
+        </p:nvPicPr>
+        <p:blipFill>
+          <a:blip r:embed="rId29">
+            <a:extLst>
+              <a:ext uri="{96DAC541-7B7A-43D3-8B79-37D633B846F1}">
+                <asvg:svgBlip xmlns:asvg="http://schemas.microsoft.com/office/drawing/2016/SVG/main" r:embed="rId30"/>
+              </a:ext>
+            </a:extLst>
+          </a:blip>
+          <a:stretch>
+            <a:fillRect/>
+          </a:stretch>
+        </p:blipFill>
+        <p:spPr>
+          <a:xfrm>
+            <a:off x="6709785" y="4390018"/>
+            <a:ext cx="360000" cy="360000"/>
+          </a:xfrm>
+          <a:prstGeom prst="rect">
+            <a:avLst/>
+          </a:prstGeom>
+        </p:spPr>
+      </p:pic>
+      <p:pic>
+        <p:nvPicPr>
+          <p:cNvPr id="19" name="Graphic 18" descr="Freight outline">
+            <a:extLst>
+              <a:ext uri="{FF2B5EF4-FFF2-40B4-BE49-F238E27FC236}">
+                <a16:creationId xmlns:a16="http://schemas.microsoft.com/office/drawing/2014/main" id="{0E69FD21-5C45-2386-B7C6-897DE8C4D71E}"/>
+              </a:ext>
+            </a:extLst>
+          </p:cNvPr>
+          <p:cNvPicPr>
+            <a:picLocks noChangeAspect="1"/>
+          </p:cNvPicPr>
+          <p:nvPr/>
+        </p:nvPicPr>
+        <p:blipFill>
+          <a:blip r:embed="rId31">
+            <a:extLst>
+              <a:ext uri="{96DAC541-7B7A-43D3-8B79-37D633B846F1}">
+                <asvg:svgBlip xmlns:asvg="http://schemas.microsoft.com/office/drawing/2016/SVG/main" r:embed="rId32"/>
+              </a:ext>
+            </a:extLst>
+          </a:blip>
+          <a:stretch>
+            <a:fillRect/>
+          </a:stretch>
+        </p:blipFill>
+        <p:spPr>
+          <a:xfrm>
+            <a:off x="6709785" y="4846993"/>
+            <a:ext cx="360000" cy="360000"/>
+          </a:xfrm>
+          <a:prstGeom prst="rect">
+            <a:avLst/>
+          </a:prstGeom>
+        </p:spPr>
+      </p:pic>
+      <p:sp>
+        <p:nvSpPr>
+          <p:cNvPr id="91" name="Rectangle 90">
+            <a:extLst>
+              <a:ext uri="{FF2B5EF4-FFF2-40B4-BE49-F238E27FC236}">
+                <a16:creationId xmlns:a16="http://schemas.microsoft.com/office/drawing/2014/main" id="{6267C386-7EB2-2484-70F6-72716E94261F}"/>
+              </a:ext>
+            </a:extLst>
+          </p:cNvPr>
+          <p:cNvSpPr/>
+          <p:nvPr/>
+        </p:nvSpPr>
+        <p:spPr>
+          <a:xfrm rot="16200000">
+            <a:off x="8352695" y="2502331"/>
+            <a:ext cx="1386069" cy="459827"/>
+          </a:xfrm>
+          <a:prstGeom prst="rect">
+            <a:avLst/>
+          </a:prstGeom>
+          <a:ln>
+            <a:solidFill>
+              <a:schemeClr val="tx1"/>
+            </a:solidFill>
+          </a:ln>
+        </p:spPr>
+        <p:style>
+          <a:lnRef idx="2">
+            <a:schemeClr val="accent6"/>
+          </a:lnRef>
+          <a:fillRef idx="1">
+            <a:schemeClr val="lt1"/>
+          </a:fillRef>
+          <a:effectRef idx="0">
+            <a:schemeClr val="accent6"/>
+          </a:effectRef>
+          <a:fontRef idx="minor">
+            <a:schemeClr val="dk1"/>
+          </a:fontRef>
+        </p:style>
+        <p:txBody>
+          <a:bodyPr rtlCol="0" anchor="ctr"/>
+          <a:lstStyle/>
+          <a:p>
+            <a:pPr algn="ctr"/>
+            <a:r>
+              <a:rPr lang="en-US" sz="1200" dirty="0"/>
+              <a:t>Year</a:t>
+            </a:r>
+          </a:p>
+        </p:txBody>
+      </p:sp>
+      <p:pic>
+        <p:nvPicPr>
+          <p:cNvPr id="23" name="Graphic 22" descr="Monthly calendar outline">
+            <a:extLst>
+              <a:ext uri="{FF2B5EF4-FFF2-40B4-BE49-F238E27FC236}">
+                <a16:creationId xmlns:a16="http://schemas.microsoft.com/office/drawing/2014/main" id="{8289D8BE-D7C9-8176-A47D-0BB1239702D3}"/>
+              </a:ext>
+            </a:extLst>
+          </p:cNvPr>
+          <p:cNvPicPr>
+            <a:picLocks noChangeAspect="1"/>
+          </p:cNvPicPr>
+          <p:nvPr/>
+        </p:nvPicPr>
+        <p:blipFill>
+          <a:blip r:embed="rId33">
+            <a:extLst>
+              <a:ext uri="{96DAC541-7B7A-43D3-8B79-37D633B846F1}">
+                <asvg:svgBlip xmlns:asvg="http://schemas.microsoft.com/office/drawing/2016/SVG/main" r:embed="rId34"/>
+              </a:ext>
+            </a:extLst>
+          </a:blip>
+          <a:stretch>
+            <a:fillRect/>
+          </a:stretch>
+        </p:blipFill>
+        <p:spPr>
+          <a:xfrm>
+            <a:off x="8866833" y="3412801"/>
+            <a:ext cx="360000" cy="360000"/>
+          </a:xfrm>
+          <a:prstGeom prst="rect">
+            <a:avLst/>
+          </a:prstGeom>
+        </p:spPr>
+      </p:pic>
+      <p:sp>
+        <p:nvSpPr>
+          <p:cNvPr id="93" name="Rectangle 92">
+            <a:extLst>
+              <a:ext uri="{FF2B5EF4-FFF2-40B4-BE49-F238E27FC236}">
+                <a16:creationId xmlns:a16="http://schemas.microsoft.com/office/drawing/2014/main" id="{6267C386-7EB2-2484-70F6-72716E94261F}"/>
+              </a:ext>
+            </a:extLst>
+          </p:cNvPr>
+          <p:cNvSpPr/>
+          <p:nvPr/>
+        </p:nvSpPr>
+        <p:spPr>
+          <a:xfrm rot="16200000">
+            <a:off x="8240830" y="4915090"/>
+            <a:ext cx="1609799" cy="459827"/>
+          </a:xfrm>
+          <a:prstGeom prst="rect">
+            <a:avLst/>
+          </a:prstGeom>
+          <a:ln>
+            <a:solidFill>
+              <a:schemeClr val="tx1"/>
+            </a:solidFill>
+          </a:ln>
+        </p:spPr>
+        <p:style>
+          <a:lnRef idx="2">
+            <a:schemeClr val="accent6"/>
+          </a:lnRef>
+          <a:fillRef idx="1">
+            <a:schemeClr val="lt1"/>
+          </a:fillRef>
+          <a:effectRef idx="0">
+            <a:schemeClr val="accent6"/>
+          </a:effectRef>
+          <a:fontRef idx="minor">
+            <a:schemeClr val="dk1"/>
+          </a:fontRef>
+        </p:style>
+        <p:txBody>
+          <a:bodyPr rtlCol="0" anchor="ctr"/>
+          <a:lstStyle>
+            <a:defPPr>
+              <a:defRPr lang="en-US"/>
+            </a:defPPr>
+            <a:lvl1pPr marL="0" algn="l" defTabSz="914400" rtl="0" eaLnBrk="1" latinLnBrk="0" hangingPunct="1">
+              <a:defRPr sz="1800" kern="1200">
+                <a:solidFill>
+                  <a:schemeClr val="dk1"/>
+                </a:solidFill>
+                <a:latin typeface="+mn-lt"/>
+                <a:ea typeface="+mn-ea"/>
+                <a:cs typeface="+mn-cs"/>
+              </a:defRPr>
+            </a:lvl1pPr>
+            <a:lvl2pPr marL="457200" algn="l" defTabSz="914400" rtl="0" eaLnBrk="1" latinLnBrk="0" hangingPunct="1">
+              <a:defRPr sz="1800" kern="1200">
+                <a:solidFill>
+                  <a:schemeClr val="dk1"/>
+                </a:solidFill>
+                <a:latin typeface="+mn-lt"/>
+                <a:ea typeface="+mn-ea"/>
+                <a:cs typeface="+mn-cs"/>
+              </a:defRPr>
+            </a:lvl2pPr>
+            <a:lvl3pPr marL="914400" algn="l" defTabSz="914400" rtl="0" eaLnBrk="1" latinLnBrk="0" hangingPunct="1">
+              <a:defRPr sz="1800" kern="1200">
+                <a:solidFill>
+                  <a:schemeClr val="dk1"/>
+                </a:solidFill>
+                <a:latin typeface="+mn-lt"/>
+                <a:ea typeface="+mn-ea"/>
+                <a:cs typeface="+mn-cs"/>
+              </a:defRPr>
+            </a:lvl3pPr>
+            <a:lvl4pPr marL="1371600" algn="l" defTabSz="914400" rtl="0" eaLnBrk="1" latinLnBrk="0" hangingPunct="1">
+              <a:defRPr sz="1800" kern="1200">
+                <a:solidFill>
+                  <a:schemeClr val="dk1"/>
+                </a:solidFill>
+                <a:latin typeface="+mn-lt"/>
+                <a:ea typeface="+mn-ea"/>
+                <a:cs typeface="+mn-cs"/>
+              </a:defRPr>
+            </a:lvl4pPr>
+            <a:lvl5pPr marL="1828800" algn="l" defTabSz="914400" rtl="0" eaLnBrk="1" latinLnBrk="0" hangingPunct="1">
+              <a:defRPr sz="1800" kern="1200">
+                <a:solidFill>
+                  <a:schemeClr val="dk1"/>
+                </a:solidFill>
+                <a:latin typeface="+mn-lt"/>
+                <a:ea typeface="+mn-ea"/>
+                <a:cs typeface="+mn-cs"/>
+              </a:defRPr>
+            </a:lvl5pPr>
+            <a:lvl6pPr marL="2286000" algn="l" defTabSz="914400" rtl="0" eaLnBrk="1" latinLnBrk="0" hangingPunct="1">
+              <a:defRPr sz="1800" kern="1200">
+                <a:solidFill>
+                  <a:schemeClr val="dk1"/>
+                </a:solidFill>
+                <a:latin typeface="+mn-lt"/>
+                <a:ea typeface="+mn-ea"/>
+                <a:cs typeface="+mn-cs"/>
+              </a:defRPr>
+            </a:lvl6pPr>
+            <a:lvl7pPr marL="2743200" algn="l" defTabSz="914400" rtl="0" eaLnBrk="1" latinLnBrk="0" hangingPunct="1">
+              <a:defRPr sz="1800" kern="1200">
+                <a:solidFill>
+                  <a:schemeClr val="dk1"/>
+                </a:solidFill>
+                <a:latin typeface="+mn-lt"/>
+                <a:ea typeface="+mn-ea"/>
+                <a:cs typeface="+mn-cs"/>
+              </a:defRPr>
+            </a:lvl7pPr>
+            <a:lvl8pPr marL="3200400" algn="l" defTabSz="914400" rtl="0" eaLnBrk="1" latinLnBrk="0" hangingPunct="1">
+              <a:defRPr sz="1800" kern="1200">
+                <a:solidFill>
+                  <a:schemeClr val="dk1"/>
+                </a:solidFill>
+                <a:latin typeface="+mn-lt"/>
+                <a:ea typeface="+mn-ea"/>
+                <a:cs typeface="+mn-cs"/>
+              </a:defRPr>
+            </a:lvl8pPr>
+            <a:lvl9pPr marL="3657600" algn="l" defTabSz="914400" rtl="0" eaLnBrk="1" latinLnBrk="0" hangingPunct="1">
+              <a:defRPr sz="1800" kern="1200">
+                <a:solidFill>
+                  <a:schemeClr val="dk1"/>
+                </a:solidFill>
+                <a:latin typeface="+mn-lt"/>
+                <a:ea typeface="+mn-ea"/>
+                <a:cs typeface="+mn-cs"/>
+              </a:defRPr>
+            </a:lvl9pPr>
+          </a:lstStyle>
+          <a:p>
+            <a:pPr algn="ctr"/>
+            <a:r>
+              <a:rPr lang="en-US" sz="1200" dirty="0"/>
+              <a:t>Year</a:t>
+            </a:r>
+          </a:p>
+        </p:txBody>
+      </p:sp>
     </p:spTree>
     <p:extLst>
       <p:ext uri="{BB962C8B-B14F-4D97-AF65-F5344CB8AC3E}">

--- a/03_outputs/Framework.pptx
+++ b/03_outputs/Framework.pptx
@@ -7420,240 +7420,6 @@
           </a:prstGeom>
         </p:spPr>
       </p:pic>
-      <p:sp>
-        <p:nvSpPr>
-          <p:cNvPr id="91" name="Rectangle 90">
-            <a:extLst>
-              <a:ext uri="{FF2B5EF4-FFF2-40B4-BE49-F238E27FC236}">
-                <a16:creationId xmlns:a16="http://schemas.microsoft.com/office/drawing/2014/main" id="{6267C386-7EB2-2484-70F6-72716E94261F}"/>
-              </a:ext>
-            </a:extLst>
-          </p:cNvPr>
-          <p:cNvSpPr/>
-          <p:nvPr/>
-        </p:nvSpPr>
-        <p:spPr>
-          <a:xfrm rot="16200000">
-            <a:off x="8352695" y="2502331"/>
-            <a:ext cx="1386069" cy="459827"/>
-          </a:xfrm>
-          <a:prstGeom prst="rect">
-            <a:avLst/>
-          </a:prstGeom>
-          <a:ln>
-            <a:solidFill>
-              <a:schemeClr val="tx1"/>
-            </a:solidFill>
-          </a:ln>
-        </p:spPr>
-        <p:style>
-          <a:lnRef idx="2">
-            <a:schemeClr val="accent6"/>
-          </a:lnRef>
-          <a:fillRef idx="1">
-            <a:schemeClr val="lt1"/>
-          </a:fillRef>
-          <a:effectRef idx="0">
-            <a:schemeClr val="accent6"/>
-          </a:effectRef>
-          <a:fontRef idx="minor">
-            <a:schemeClr val="dk1"/>
-          </a:fontRef>
-        </p:style>
-        <p:txBody>
-          <a:bodyPr rtlCol="0" anchor="ctr"/>
-          <a:lstStyle/>
-          <a:p>
-            <a:pPr algn="ctr"/>
-            <a:r>
-              <a:rPr lang="en-US" sz="1200" dirty="0"/>
-              <a:t>Year</a:t>
-            </a:r>
-          </a:p>
-        </p:txBody>
-      </p:sp>
-      <p:pic>
-        <p:nvPicPr>
-          <p:cNvPr id="23" name="Graphic 22" descr="Monthly calendar outline">
-            <a:extLst>
-              <a:ext uri="{FF2B5EF4-FFF2-40B4-BE49-F238E27FC236}">
-                <a16:creationId xmlns:a16="http://schemas.microsoft.com/office/drawing/2014/main" id="{8289D8BE-D7C9-8176-A47D-0BB1239702D3}"/>
-              </a:ext>
-            </a:extLst>
-          </p:cNvPr>
-          <p:cNvPicPr>
-            <a:picLocks noChangeAspect="1"/>
-          </p:cNvPicPr>
-          <p:nvPr/>
-        </p:nvPicPr>
-        <p:blipFill>
-          <a:blip r:embed="rId33">
-            <a:extLst>
-              <a:ext uri="{96DAC541-7B7A-43D3-8B79-37D633B846F1}">
-                <asvg:svgBlip xmlns:asvg="http://schemas.microsoft.com/office/drawing/2016/SVG/main" r:embed="rId34"/>
-              </a:ext>
-            </a:extLst>
-          </a:blip>
-          <a:stretch>
-            <a:fillRect/>
-          </a:stretch>
-        </p:blipFill>
-        <p:spPr>
-          <a:xfrm>
-            <a:off x="8866833" y="3412801"/>
-            <a:ext cx="360000" cy="360000"/>
-          </a:xfrm>
-          <a:prstGeom prst="rect">
-            <a:avLst/>
-          </a:prstGeom>
-        </p:spPr>
-      </p:pic>
-      <p:sp>
-        <p:nvSpPr>
-          <p:cNvPr id="93" name="Rectangle 92">
-            <a:extLst>
-              <a:ext uri="{FF2B5EF4-FFF2-40B4-BE49-F238E27FC236}">
-                <a16:creationId xmlns:a16="http://schemas.microsoft.com/office/drawing/2014/main" id="{6267C386-7EB2-2484-70F6-72716E94261F}"/>
-              </a:ext>
-            </a:extLst>
-          </p:cNvPr>
-          <p:cNvSpPr/>
-          <p:nvPr/>
-        </p:nvSpPr>
-        <p:spPr>
-          <a:xfrm rot="16200000">
-            <a:off x="8240830" y="4915090"/>
-            <a:ext cx="1609799" cy="459827"/>
-          </a:xfrm>
-          <a:prstGeom prst="rect">
-            <a:avLst/>
-          </a:prstGeom>
-          <a:ln>
-            <a:solidFill>
-              <a:schemeClr val="tx1"/>
-            </a:solidFill>
-          </a:ln>
-        </p:spPr>
-        <p:style>
-          <a:lnRef idx="2">
-            <a:schemeClr val="accent6"/>
-          </a:lnRef>
-          <a:fillRef idx="1">
-            <a:schemeClr val="lt1"/>
-          </a:fillRef>
-          <a:effectRef idx="0">
-            <a:schemeClr val="accent6"/>
-          </a:effectRef>
-          <a:fontRef idx="minor">
-            <a:schemeClr val="dk1"/>
-          </a:fontRef>
-        </p:style>
-        <p:txBody>
-          <a:bodyPr rtlCol="0" anchor="ctr"/>
-          <a:lstStyle>
-            <a:defPPr>
-              <a:defRPr lang="en-US"/>
-            </a:defPPr>
-            <a:lvl1pPr marL="0" algn="l" defTabSz="914400" rtl="0" eaLnBrk="1" latinLnBrk="0" hangingPunct="1">
-              <a:defRPr sz="1800" kern="1200">
-                <a:solidFill>
-                  <a:schemeClr val="dk1"/>
-                </a:solidFill>
-                <a:latin typeface="+mn-lt"/>
-                <a:ea typeface="+mn-ea"/>
-                <a:cs typeface="+mn-cs"/>
-              </a:defRPr>
-            </a:lvl1pPr>
-            <a:lvl2pPr marL="457200" algn="l" defTabSz="914400" rtl="0" eaLnBrk="1" latinLnBrk="0" hangingPunct="1">
-              <a:defRPr sz="1800" kern="1200">
-                <a:solidFill>
-                  <a:schemeClr val="dk1"/>
-                </a:solidFill>
-                <a:latin typeface="+mn-lt"/>
-                <a:ea typeface="+mn-ea"/>
-                <a:cs typeface="+mn-cs"/>
-              </a:defRPr>
-            </a:lvl2pPr>
-            <a:lvl3pPr marL="914400" algn="l" defTabSz="914400" rtl="0" eaLnBrk="1" latinLnBrk="0" hangingPunct="1">
-              <a:defRPr sz="1800" kern="1200">
-                <a:solidFill>
-                  <a:schemeClr val="dk1"/>
-                </a:solidFill>
-                <a:latin typeface="+mn-lt"/>
-                <a:ea typeface="+mn-ea"/>
-                <a:cs typeface="+mn-cs"/>
-              </a:defRPr>
-            </a:lvl3pPr>
-            <a:lvl4pPr marL="1371600" algn="l" defTabSz="914400" rtl="0" eaLnBrk="1" latinLnBrk="0" hangingPunct="1">
-              <a:defRPr sz="1800" kern="1200">
-                <a:solidFill>
-                  <a:schemeClr val="dk1"/>
-                </a:solidFill>
-                <a:latin typeface="+mn-lt"/>
-                <a:ea typeface="+mn-ea"/>
-                <a:cs typeface="+mn-cs"/>
-              </a:defRPr>
-            </a:lvl4pPr>
-            <a:lvl5pPr marL="1828800" algn="l" defTabSz="914400" rtl="0" eaLnBrk="1" latinLnBrk="0" hangingPunct="1">
-              <a:defRPr sz="1800" kern="1200">
-                <a:solidFill>
-                  <a:schemeClr val="dk1"/>
-                </a:solidFill>
-                <a:latin typeface="+mn-lt"/>
-                <a:ea typeface="+mn-ea"/>
-                <a:cs typeface="+mn-cs"/>
-              </a:defRPr>
-            </a:lvl5pPr>
-            <a:lvl6pPr marL="2286000" algn="l" defTabSz="914400" rtl="0" eaLnBrk="1" latinLnBrk="0" hangingPunct="1">
-              <a:defRPr sz="1800" kern="1200">
-                <a:solidFill>
-                  <a:schemeClr val="dk1"/>
-                </a:solidFill>
-                <a:latin typeface="+mn-lt"/>
-                <a:ea typeface="+mn-ea"/>
-                <a:cs typeface="+mn-cs"/>
-              </a:defRPr>
-            </a:lvl6pPr>
-            <a:lvl7pPr marL="2743200" algn="l" defTabSz="914400" rtl="0" eaLnBrk="1" latinLnBrk="0" hangingPunct="1">
-              <a:defRPr sz="1800" kern="1200">
-                <a:solidFill>
-                  <a:schemeClr val="dk1"/>
-                </a:solidFill>
-                <a:latin typeface="+mn-lt"/>
-                <a:ea typeface="+mn-ea"/>
-                <a:cs typeface="+mn-cs"/>
-              </a:defRPr>
-            </a:lvl7pPr>
-            <a:lvl8pPr marL="3200400" algn="l" defTabSz="914400" rtl="0" eaLnBrk="1" latinLnBrk="0" hangingPunct="1">
-              <a:defRPr sz="1800" kern="1200">
-                <a:solidFill>
-                  <a:schemeClr val="dk1"/>
-                </a:solidFill>
-                <a:latin typeface="+mn-lt"/>
-                <a:ea typeface="+mn-ea"/>
-                <a:cs typeface="+mn-cs"/>
-              </a:defRPr>
-            </a:lvl8pPr>
-            <a:lvl9pPr marL="3657600" algn="l" defTabSz="914400" rtl="0" eaLnBrk="1" latinLnBrk="0" hangingPunct="1">
-              <a:defRPr sz="1800" kern="1200">
-                <a:solidFill>
-                  <a:schemeClr val="dk1"/>
-                </a:solidFill>
-                <a:latin typeface="+mn-lt"/>
-                <a:ea typeface="+mn-ea"/>
-                <a:cs typeface="+mn-cs"/>
-              </a:defRPr>
-            </a:lvl9pPr>
-          </a:lstStyle>
-          <a:p>
-            <a:pPr algn="ctr"/>
-            <a:r>
-              <a:rPr lang="en-US" sz="1200" dirty="0"/>
-              <a:t>Year</a:t>
-            </a:r>
-          </a:p>
-        </p:txBody>
-      </p:sp>
     </p:spTree>
     <p:extLst>
       <p:ext uri="{BB962C8B-B14F-4D97-AF65-F5344CB8AC3E}">

--- a/03_outputs/Framework.pptx
+++ b/03_outputs/Framework.pptx
@@ -261,7 +261,7 @@
           <a:p>
             <a:fld id="{3BB86B50-BCE8-6148-9A82-B9A03E5DB24C}" type="datetimeFigureOut">
               <a:rPr lang="en-US" smtClean="0"/>
-              <a:t>8/6/24</a:t>
+              <a:t>8/11/24</a:t>
             </a:fld>
             <a:endParaRPr lang="en-US"/>
           </a:p>
@@ -461,7 +461,7 @@
           <a:p>
             <a:fld id="{3BB86B50-BCE8-6148-9A82-B9A03E5DB24C}" type="datetimeFigureOut">
               <a:rPr lang="en-US" smtClean="0"/>
-              <a:t>8/6/24</a:t>
+              <a:t>8/11/24</a:t>
             </a:fld>
             <a:endParaRPr lang="en-US"/>
           </a:p>
@@ -671,7 +671,7 @@
           <a:p>
             <a:fld id="{3BB86B50-BCE8-6148-9A82-B9A03E5DB24C}" type="datetimeFigureOut">
               <a:rPr lang="en-US" smtClean="0"/>
-              <a:t>8/6/24</a:t>
+              <a:t>8/11/24</a:t>
             </a:fld>
             <a:endParaRPr lang="en-US"/>
           </a:p>
@@ -871,7 +871,7 @@
           <a:p>
             <a:fld id="{3BB86B50-BCE8-6148-9A82-B9A03E5DB24C}" type="datetimeFigureOut">
               <a:rPr lang="en-US" smtClean="0"/>
-              <a:t>8/6/24</a:t>
+              <a:t>8/11/24</a:t>
             </a:fld>
             <a:endParaRPr lang="en-US"/>
           </a:p>
@@ -1147,7 +1147,7 @@
           <a:p>
             <a:fld id="{3BB86B50-BCE8-6148-9A82-B9A03E5DB24C}" type="datetimeFigureOut">
               <a:rPr lang="en-US" smtClean="0"/>
-              <a:t>8/6/24</a:t>
+              <a:t>8/11/24</a:t>
             </a:fld>
             <a:endParaRPr lang="en-US"/>
           </a:p>
@@ -1415,7 +1415,7 @@
           <a:p>
             <a:fld id="{3BB86B50-BCE8-6148-9A82-B9A03E5DB24C}" type="datetimeFigureOut">
               <a:rPr lang="en-US" smtClean="0"/>
-              <a:t>8/6/24</a:t>
+              <a:t>8/11/24</a:t>
             </a:fld>
             <a:endParaRPr lang="en-US"/>
           </a:p>
@@ -1830,7 +1830,7 @@
           <a:p>
             <a:fld id="{3BB86B50-BCE8-6148-9A82-B9A03E5DB24C}" type="datetimeFigureOut">
               <a:rPr lang="en-US" smtClean="0"/>
-              <a:t>8/6/24</a:t>
+              <a:t>8/11/24</a:t>
             </a:fld>
             <a:endParaRPr lang="en-US"/>
           </a:p>
@@ -1972,7 +1972,7 @@
           <a:p>
             <a:fld id="{3BB86B50-BCE8-6148-9A82-B9A03E5DB24C}" type="datetimeFigureOut">
               <a:rPr lang="en-US" smtClean="0"/>
-              <a:t>8/6/24</a:t>
+              <a:t>8/11/24</a:t>
             </a:fld>
             <a:endParaRPr lang="en-US"/>
           </a:p>
@@ -2085,7 +2085,7 @@
           <a:p>
             <a:fld id="{3BB86B50-BCE8-6148-9A82-B9A03E5DB24C}" type="datetimeFigureOut">
               <a:rPr lang="en-US" smtClean="0"/>
-              <a:t>8/6/24</a:t>
+              <a:t>8/11/24</a:t>
             </a:fld>
             <a:endParaRPr lang="en-US"/>
           </a:p>
@@ -2398,7 +2398,7 @@
           <a:p>
             <a:fld id="{3BB86B50-BCE8-6148-9A82-B9A03E5DB24C}" type="datetimeFigureOut">
               <a:rPr lang="en-US" smtClean="0"/>
-              <a:t>8/6/24</a:t>
+              <a:t>8/11/24</a:t>
             </a:fld>
             <a:endParaRPr lang="en-US"/>
           </a:p>
@@ -2687,7 +2687,7 @@
           <a:p>
             <a:fld id="{3BB86B50-BCE8-6148-9A82-B9A03E5DB24C}" type="datetimeFigureOut">
               <a:rPr lang="en-US" smtClean="0"/>
-              <a:t>8/6/24</a:t>
+              <a:t>8/11/24</a:t>
             </a:fld>
             <a:endParaRPr lang="en-US"/>
           </a:p>
@@ -2930,7 +2930,7 @@
           <a:p>
             <a:fld id="{3BB86B50-BCE8-6148-9A82-B9A03E5DB24C}" type="datetimeFigureOut">
               <a:rPr lang="en-US" smtClean="0"/>
-              <a:t>8/6/24</a:t>
+              <a:t>8/11/24</a:t>
             </a:fld>
             <a:endParaRPr lang="en-US"/>
           </a:p>
@@ -4474,7 +4474,7 @@
         </p:nvSpPr>
         <p:spPr>
           <a:xfrm>
-            <a:off x="1550664" y="3894660"/>
+            <a:off x="1549120" y="4113225"/>
             <a:ext cx="189186" cy="1422446"/>
           </a:xfrm>
           <a:prstGeom prst="upDownArrow">
@@ -4523,7 +4523,7 @@
         </p:nvSpPr>
         <p:spPr>
           <a:xfrm>
-            <a:off x="814940" y="5494417"/>
+            <a:off x="813396" y="5880919"/>
             <a:ext cx="1660635" cy="459827"/>
           </a:xfrm>
           <a:prstGeom prst="rect">
@@ -4575,7 +4575,7 @@
         </p:nvSpPr>
         <p:spPr>
           <a:xfrm>
-            <a:off x="3520216" y="5494417"/>
+            <a:off x="3518672" y="5880919"/>
             <a:ext cx="1660635" cy="459827"/>
           </a:xfrm>
           <a:prstGeom prst="rect">
@@ -4641,7 +4641,7 @@
         </p:blipFill>
         <p:spPr>
           <a:xfrm>
-            <a:off x="2978107" y="5544326"/>
+            <a:off x="2976563" y="5930828"/>
             <a:ext cx="360000" cy="360000"/>
           </a:xfrm>
           <a:prstGeom prst="rect">
@@ -4665,7 +4665,7 @@
         </p:nvCxnSpPr>
         <p:spPr>
           <a:xfrm flipH="1">
-            <a:off x="2606810" y="5724326"/>
+            <a:off x="2605266" y="6110828"/>
             <a:ext cx="286934" cy="0"/>
           </a:xfrm>
           <a:prstGeom prst="line">
@@ -4702,7 +4702,7 @@
         </p:nvSpPr>
         <p:spPr>
           <a:xfrm>
-            <a:off x="5317197" y="5571016"/>
+            <a:off x="5315653" y="5957518"/>
             <a:ext cx="420416" cy="312027"/>
           </a:xfrm>
           <a:prstGeom prst="stripedRightArrow">
@@ -4737,8 +4737,8 @@
           </a:p>
         </p:txBody>
       </p:sp>
-      <mc:AlternateContent xmlns:mc="http://schemas.openxmlformats.org/markup-compatibility/2006" xmlns:a14="http://schemas.microsoft.com/office/drawing/2010/main">
-        <mc:Choice Requires="a14">
+      <mc:AlternateContent xmlns:mc="http://schemas.openxmlformats.org/markup-compatibility/2006">
+        <mc:Choice xmlns:a14="http://schemas.microsoft.com/office/drawing/2010/main" Requires="a14">
           <p:sp>
             <p:nvSpPr>
               <p:cNvPr id="37" name="TextBox 36">
@@ -4753,7 +4753,7 @@
             </p:nvSpPr>
             <p:spPr>
               <a:xfrm>
-                <a:off x="5869136" y="5583274"/>
+                <a:off x="5867592" y="5969776"/>
                 <a:ext cx="711541" cy="301878"/>
               </a:xfrm>
               <a:prstGeom prst="rect">
@@ -4825,7 +4825,7 @@
             </p:txBody>
           </p:sp>
         </mc:Choice>
-        <mc:Fallback xmlns="">
+        <mc:Fallback>
           <p:sp>
             <p:nvSpPr>
               <p:cNvPr id="37" name="TextBox 36">
@@ -4842,7 +4842,7 @@
             </p:nvSpPr>
             <p:spPr>
               <a:xfrm>
-                <a:off x="5869136" y="5583274"/>
+                <a:off x="5867592" y="5969776"/>
                 <a:ext cx="711541" cy="301878"/>
               </a:xfrm>
               <a:prstGeom prst="rect">
@@ -4851,7 +4851,7 @@
               <a:blipFill>
                 <a:blip r:embed="rId16"/>
                 <a:stretch>
-                  <a:fillRect l="-7018" b="-24000"/>
+                  <a:fillRect l="-8929" r="-1786" b="-28000"/>
                 </a:stretch>
               </a:blipFill>
             </p:spPr>
@@ -5427,7 +5427,7 @@
         </p:nvSpPr>
         <p:spPr>
           <a:xfrm>
-            <a:off x="6709785" y="5592299"/>
+            <a:off x="6708241" y="5978801"/>
             <a:ext cx="420416" cy="312027"/>
           </a:xfrm>
           <a:prstGeom prst="stripedRightArrow">
@@ -5490,7 +5490,7 @@
         </p:blipFill>
         <p:spPr>
           <a:xfrm>
-            <a:off x="7259309" y="5544326"/>
+            <a:off x="7257765" y="5930828"/>
             <a:ext cx="360000" cy="360000"/>
           </a:xfrm>
           <a:prstGeom prst="rect">
@@ -5512,7 +5512,7 @@
         </p:nvSpPr>
         <p:spPr>
           <a:xfrm>
-            <a:off x="7748418" y="5504299"/>
+            <a:off x="7746874" y="5890801"/>
             <a:ext cx="1019066" cy="459827"/>
           </a:xfrm>
           <a:prstGeom prst="rect">
@@ -5613,8 +5613,8 @@
         </p:nvSpPr>
         <p:spPr>
           <a:xfrm>
-            <a:off x="9452055" y="1600958"/>
-            <a:ext cx="1660635" cy="459827"/>
+            <a:off x="9452056" y="1600958"/>
+            <a:ext cx="1026756" cy="459827"/>
           </a:xfrm>
           <a:prstGeom prst="rect">
             <a:avLst/>
@@ -5665,8 +5665,8 @@
         </p:nvSpPr>
         <p:spPr>
           <a:xfrm>
-            <a:off x="9452055" y="2047488"/>
-            <a:ext cx="1660635" cy="3916638"/>
+            <a:off x="9452056" y="2047488"/>
+            <a:ext cx="1026756" cy="3000133"/>
           </a:xfrm>
           <a:prstGeom prst="rect">
             <a:avLst/>
@@ -5717,7 +5717,7 @@
         </p:nvSpPr>
         <p:spPr>
           <a:xfrm rot="10800000">
-            <a:off x="8901225" y="3849794"/>
+            <a:off x="8901225" y="3369362"/>
             <a:ext cx="420416" cy="312027"/>
           </a:xfrm>
           <a:prstGeom prst="stripedRightArrow">
@@ -6367,7 +6367,7 @@
             <a:pPr algn="ctr"/>
             <a:r>
               <a:rPr lang="en-US" sz="1200" dirty="0"/>
-              <a:t>GAM Regression</a:t>
+              <a:t>Regression</a:t>
             </a:r>
           </a:p>
         </p:txBody>
@@ -6495,7 +6495,7 @@
         <p:spPr>
           <a:xfrm>
             <a:off x="2691281" y="527329"/>
-            <a:ext cx="0" cy="5803342"/>
+            <a:ext cx="0" cy="6083678"/>
           </a:xfrm>
           <a:prstGeom prst="line">
             <a:avLst/>
@@ -6536,7 +6536,7 @@
         <p:spPr>
           <a:xfrm>
             <a:off x="5576975" y="523620"/>
-            <a:ext cx="0" cy="5803342"/>
+            <a:ext cx="0" cy="6087387"/>
           </a:xfrm>
           <a:prstGeom prst="line">
             <a:avLst/>
@@ -6577,7 +6577,7 @@
         <p:spPr>
           <a:xfrm>
             <a:off x="9321641" y="523620"/>
-            <a:ext cx="0" cy="5803342"/>
+            <a:ext cx="0" cy="6087387"/>
           </a:xfrm>
           <a:prstGeom prst="line">
             <a:avLst/>
@@ -6934,7 +6934,7 @@
         <p:spPr>
           <a:xfrm>
             <a:off x="531342" y="527329"/>
-            <a:ext cx="10844174" cy="5803342"/>
+            <a:ext cx="10844174" cy="6083678"/>
           </a:xfrm>
           <a:prstGeom prst="rect">
             <a:avLst/>
@@ -7013,10 +7013,10 @@
       </p:cxnSp>
       <p:sp>
         <p:nvSpPr>
-          <p:cNvPr id="86" name="Left Brace 85">
-            <a:extLst>
-              <a:ext uri="{FF2B5EF4-FFF2-40B4-BE49-F238E27FC236}">
-                <a16:creationId xmlns:a16="http://schemas.microsoft.com/office/drawing/2014/main" id="{8CC67169-7285-4F5B-0E32-EDF94340DDB5}"/>
+          <p:cNvPr id="88" name="Rectangle 87">
+            <a:extLst>
+              <a:ext uri="{FF2B5EF4-FFF2-40B4-BE49-F238E27FC236}">
+                <a16:creationId xmlns:a16="http://schemas.microsoft.com/office/drawing/2014/main" id="{C66A41E9-4ACA-D8C9-DD1E-9CFF1CBA6A52}"/>
               </a:ext>
             </a:extLst>
           </p:cNvPr>
@@ -7025,52 +7025,7 @@
         </p:nvSpPr>
         <p:spPr>
           <a:xfrm>
-            <a:off x="6288732" y="4609403"/>
-            <a:ext cx="276595" cy="459827"/>
-          </a:xfrm>
-          <a:prstGeom prst="leftBrace">
-            <a:avLst/>
-          </a:prstGeom>
-          <a:ln w="19050"/>
-        </p:spPr>
-        <p:style>
-          <a:lnRef idx="1">
-            <a:schemeClr val="dk1"/>
-          </a:lnRef>
-          <a:fillRef idx="0">
-            <a:schemeClr val="dk1"/>
-          </a:fillRef>
-          <a:effectRef idx="0">
-            <a:schemeClr val="dk1"/>
-          </a:effectRef>
-          <a:fontRef idx="minor">
-            <a:schemeClr val="tx1"/>
-          </a:fontRef>
-        </p:style>
-        <p:txBody>
-          <a:bodyPr rtlCol="0" anchor="ctr"/>
-          <a:lstStyle/>
-          <a:p>
-            <a:pPr algn="ctr"/>
-            <a:endParaRPr lang="en-US"/>
-          </a:p>
-        </p:txBody>
-      </p:sp>
-      <p:sp>
-        <p:nvSpPr>
-          <p:cNvPr id="87" name="Rectangle 86">
-            <a:extLst>
-              <a:ext uri="{FF2B5EF4-FFF2-40B4-BE49-F238E27FC236}">
-                <a16:creationId xmlns:a16="http://schemas.microsoft.com/office/drawing/2014/main" id="{5EBDE703-7F70-F73F-13EB-304072E76B19}"/>
-              </a:ext>
-            </a:extLst>
-          </p:cNvPr>
-          <p:cNvSpPr/>
-          <p:nvPr/>
-        </p:nvSpPr>
-        <p:spPr>
-          <a:xfrm>
-            <a:off x="7106849" y="4797080"/>
+            <a:off x="7108489" y="4587794"/>
             <a:ext cx="1660635" cy="459827"/>
           </a:xfrm>
           <a:prstGeom prst="rect">
@@ -7197,17 +7152,53 @@
             <a:pPr algn="ctr"/>
             <a:r>
               <a:rPr lang="en-US" sz="1200" dirty="0"/>
-              <a:t>Export Amount</a:t>
-            </a:r>
-          </a:p>
-        </p:txBody>
-      </p:sp>
-      <p:sp>
-        <p:nvSpPr>
-          <p:cNvPr id="88" name="Rectangle 87">
-            <a:extLst>
-              <a:ext uri="{FF2B5EF4-FFF2-40B4-BE49-F238E27FC236}">
-                <a16:creationId xmlns:a16="http://schemas.microsoft.com/office/drawing/2014/main" id="{C66A41E9-4ACA-D8C9-DD1E-9CFF1CBA6A52}"/>
+              <a:t>Poor Law</a:t>
+            </a:r>
+          </a:p>
+        </p:txBody>
+      </p:sp>
+      <p:pic>
+        <p:nvPicPr>
+          <p:cNvPr id="3" name="Graphic 2" descr="Scales of justice outline">
+            <a:extLst>
+              <a:ext uri="{FF2B5EF4-FFF2-40B4-BE49-F238E27FC236}">
+                <a16:creationId xmlns:a16="http://schemas.microsoft.com/office/drawing/2014/main" id="{80E27CE6-0046-DD1C-D512-74F8ABDBF85B}"/>
+              </a:ext>
+            </a:extLst>
+          </p:cNvPr>
+          <p:cNvPicPr>
+            <a:picLocks noChangeAspect="1"/>
+          </p:cNvPicPr>
+          <p:nvPr/>
+        </p:nvPicPr>
+        <p:blipFill>
+          <a:blip r:embed="rId29">
+            <a:extLst>
+              <a:ext uri="{96DAC541-7B7A-43D3-8B79-37D633B846F1}">
+                <asvg:svgBlip xmlns:asvg="http://schemas.microsoft.com/office/drawing/2016/SVG/main" r:embed="rId30"/>
+              </a:ext>
+            </a:extLst>
+          </a:blip>
+          <a:stretch>
+            <a:fillRect/>
+          </a:stretch>
+        </p:blipFill>
+        <p:spPr>
+          <a:xfrm>
+            <a:off x="6709785" y="4644449"/>
+            <a:ext cx="360000" cy="360000"/>
+          </a:xfrm>
+          <a:prstGeom prst="rect">
+            <a:avLst/>
+          </a:prstGeom>
+        </p:spPr>
+      </p:pic>
+      <p:sp>
+        <p:nvSpPr>
+          <p:cNvPr id="71" name="Striped Right Arrow 70">
+            <a:extLst>
+              <a:ext uri="{FF2B5EF4-FFF2-40B4-BE49-F238E27FC236}">
+                <a16:creationId xmlns:a16="http://schemas.microsoft.com/office/drawing/2014/main" id="{E0A05A80-F8C9-C26A-A000-0B36E2F95164}"/>
               </a:ext>
             </a:extLst>
           </p:cNvPr>
@@ -7216,8 +7207,262 @@
         </p:nvSpPr>
         <p:spPr>
           <a:xfrm>
-            <a:off x="7106849" y="4340105"/>
-            <a:ext cx="1660635" cy="459827"/>
+            <a:off x="6233640" y="4668435"/>
+            <a:ext cx="420416" cy="312027"/>
+          </a:xfrm>
+          <a:prstGeom prst="stripedRightArrow">
+            <a:avLst/>
+          </a:prstGeom>
+          <a:ln>
+            <a:solidFill>
+              <a:schemeClr val="tx1"/>
+            </a:solidFill>
+          </a:ln>
+        </p:spPr>
+        <p:style>
+          <a:lnRef idx="2">
+            <a:schemeClr val="accent6"/>
+          </a:lnRef>
+          <a:fillRef idx="1">
+            <a:schemeClr val="lt1"/>
+          </a:fillRef>
+          <a:effectRef idx="0">
+            <a:schemeClr val="accent6"/>
+          </a:effectRef>
+          <a:fontRef idx="minor">
+            <a:schemeClr val="dk1"/>
+          </a:fontRef>
+        </p:style>
+        <p:txBody>
+          <a:bodyPr rtlCol="0" anchor="ctr"/>
+          <a:lstStyle/>
+          <a:p>
+            <a:pPr algn="ctr"/>
+            <a:endParaRPr lang="en-US"/>
+          </a:p>
+        </p:txBody>
+      </p:sp>
+      <p:sp>
+        <p:nvSpPr>
+          <p:cNvPr id="76" name="Rectangle 75">
+            <a:extLst>
+              <a:ext uri="{FF2B5EF4-FFF2-40B4-BE49-F238E27FC236}">
+                <a16:creationId xmlns:a16="http://schemas.microsoft.com/office/drawing/2014/main" id="{666EA469-0C5A-5B9E-57F6-005BFA43B4F2}"/>
+              </a:ext>
+            </a:extLst>
+          </p:cNvPr>
+          <p:cNvSpPr/>
+          <p:nvPr/>
+        </p:nvSpPr>
+        <p:spPr>
+          <a:xfrm>
+            <a:off x="9450512" y="5880653"/>
+            <a:ext cx="1026756" cy="460093"/>
+          </a:xfrm>
+          <a:prstGeom prst="rect">
+            <a:avLst/>
+          </a:prstGeom>
+          <a:ln>
+            <a:solidFill>
+              <a:schemeClr val="tx1"/>
+            </a:solidFill>
+          </a:ln>
+        </p:spPr>
+        <p:style>
+          <a:lnRef idx="2">
+            <a:schemeClr val="accent6"/>
+          </a:lnRef>
+          <a:fillRef idx="1">
+            <a:schemeClr val="lt1"/>
+          </a:fillRef>
+          <a:effectRef idx="0">
+            <a:schemeClr val="accent6"/>
+          </a:effectRef>
+          <a:fontRef idx="minor">
+            <a:schemeClr val="dk1"/>
+          </a:fontRef>
+        </p:style>
+        <p:txBody>
+          <a:bodyPr rtlCol="0" anchor="ctr"/>
+          <a:lstStyle/>
+          <a:p>
+            <a:pPr algn="ctr"/>
+            <a:r>
+              <a:rPr lang="en-US" sz="1200" dirty="0"/>
+              <a:t>Regular Term</a:t>
+            </a:r>
+          </a:p>
+        </p:txBody>
+      </p:sp>
+      <p:sp>
+        <p:nvSpPr>
+          <p:cNvPr id="80" name="Rectangle 79">
+            <a:extLst>
+              <a:ext uri="{FF2B5EF4-FFF2-40B4-BE49-F238E27FC236}">
+                <a16:creationId xmlns:a16="http://schemas.microsoft.com/office/drawing/2014/main" id="{48BE376B-07B2-5329-0395-69B7C0234441}"/>
+              </a:ext>
+            </a:extLst>
+          </p:cNvPr>
+          <p:cNvSpPr/>
+          <p:nvPr/>
+        </p:nvSpPr>
+        <p:spPr>
+          <a:xfrm>
+            <a:off x="10478812" y="1600760"/>
+            <a:ext cx="633878" cy="3446859"/>
+          </a:xfrm>
+          <a:prstGeom prst="rect">
+            <a:avLst/>
+          </a:prstGeom>
+          <a:ln>
+            <a:solidFill>
+              <a:schemeClr val="tx1"/>
+            </a:solidFill>
+          </a:ln>
+        </p:spPr>
+        <p:style>
+          <a:lnRef idx="2">
+            <a:schemeClr val="accent6"/>
+          </a:lnRef>
+          <a:fillRef idx="1">
+            <a:schemeClr val="lt1"/>
+          </a:fillRef>
+          <a:effectRef idx="0">
+            <a:schemeClr val="accent6"/>
+          </a:effectRef>
+          <a:fontRef idx="minor">
+            <a:schemeClr val="dk1"/>
+          </a:fontRef>
+        </p:style>
+        <p:txBody>
+          <a:bodyPr rtlCol="0" anchor="ctr"/>
+          <a:lstStyle/>
+          <a:p>
+            <a:pPr algn="ctr"/>
+            <a:r>
+              <a:rPr lang="en-US" sz="1200" dirty="0"/>
+              <a:t>GAM</a:t>
+            </a:r>
+          </a:p>
+        </p:txBody>
+      </p:sp>
+      <p:sp>
+        <p:nvSpPr>
+          <p:cNvPr id="85" name="Rectangle 84">
+            <a:extLst>
+              <a:ext uri="{FF2B5EF4-FFF2-40B4-BE49-F238E27FC236}">
+                <a16:creationId xmlns:a16="http://schemas.microsoft.com/office/drawing/2014/main" id="{F48D0EA0-3F82-940B-A037-E531D780DCB9}"/>
+              </a:ext>
+            </a:extLst>
+          </p:cNvPr>
+          <p:cNvSpPr/>
+          <p:nvPr/>
+        </p:nvSpPr>
+        <p:spPr>
+          <a:xfrm>
+            <a:off x="10477268" y="5880653"/>
+            <a:ext cx="633878" cy="460720"/>
+          </a:xfrm>
+          <a:prstGeom prst="rect">
+            <a:avLst/>
+          </a:prstGeom>
+          <a:ln>
+            <a:solidFill>
+              <a:schemeClr val="tx1"/>
+            </a:solidFill>
+          </a:ln>
+        </p:spPr>
+        <p:style>
+          <a:lnRef idx="2">
+            <a:schemeClr val="accent6"/>
+          </a:lnRef>
+          <a:fillRef idx="1">
+            <a:schemeClr val="lt1"/>
+          </a:fillRef>
+          <a:effectRef idx="0">
+            <a:schemeClr val="accent6"/>
+          </a:effectRef>
+          <a:fontRef idx="minor">
+            <a:schemeClr val="dk1"/>
+          </a:fontRef>
+        </p:style>
+        <p:txBody>
+          <a:bodyPr rtlCol="0" anchor="ctr"/>
+          <a:lstStyle/>
+          <a:p>
+            <a:pPr algn="ctr"/>
+            <a:r>
+              <a:rPr lang="en-US" sz="1200" dirty="0"/>
+              <a:t>LM</a:t>
+            </a:r>
+          </a:p>
+        </p:txBody>
+      </p:sp>
+      <p:sp>
+        <p:nvSpPr>
+          <p:cNvPr id="90" name="Striped Right Arrow 89">
+            <a:extLst>
+              <a:ext uri="{FF2B5EF4-FFF2-40B4-BE49-F238E27FC236}">
+                <a16:creationId xmlns:a16="http://schemas.microsoft.com/office/drawing/2014/main" id="{2882C661-A724-4CB3-2B08-A2D959A39E9E}"/>
+              </a:ext>
+            </a:extLst>
+          </p:cNvPr>
+          <p:cNvSpPr/>
+          <p:nvPr/>
+        </p:nvSpPr>
+        <p:spPr>
+          <a:xfrm rot="10800000">
+            <a:off x="8895049" y="5957518"/>
+            <a:ext cx="420416" cy="312027"/>
+          </a:xfrm>
+          <a:prstGeom prst="stripedRightArrow">
+            <a:avLst/>
+          </a:prstGeom>
+          <a:ln>
+            <a:solidFill>
+              <a:schemeClr val="tx1"/>
+            </a:solidFill>
+          </a:ln>
+        </p:spPr>
+        <p:style>
+          <a:lnRef idx="2">
+            <a:schemeClr val="accent6"/>
+          </a:lnRef>
+          <a:fillRef idx="1">
+            <a:schemeClr val="lt1"/>
+          </a:fillRef>
+          <a:effectRef idx="0">
+            <a:schemeClr val="accent6"/>
+          </a:effectRef>
+          <a:fontRef idx="minor">
+            <a:schemeClr val="dk1"/>
+          </a:fontRef>
+        </p:style>
+        <p:txBody>
+          <a:bodyPr rtlCol="0" anchor="ctr"/>
+          <a:lstStyle/>
+          <a:p>
+            <a:pPr algn="ctr"/>
+            <a:endParaRPr lang="en-US"/>
+          </a:p>
+        </p:txBody>
+      </p:sp>
+      <p:sp>
+        <p:nvSpPr>
+          <p:cNvPr id="91" name="Rectangle 90">
+            <a:extLst>
+              <a:ext uri="{FF2B5EF4-FFF2-40B4-BE49-F238E27FC236}">
+                <a16:creationId xmlns:a16="http://schemas.microsoft.com/office/drawing/2014/main" id="{B5625036-C0D4-32BF-125D-B871CACD8B25}"/>
+              </a:ext>
+            </a:extLst>
+          </p:cNvPr>
+          <p:cNvSpPr/>
+          <p:nvPr/>
+        </p:nvSpPr>
+        <p:spPr>
+          <a:xfrm>
+            <a:off x="7746874" y="5224836"/>
+            <a:ext cx="785446" cy="459827"/>
           </a:xfrm>
           <a:prstGeom prst="rect">
             <a:avLst/>
@@ -7343,53 +7588,358 @@
             <a:pPr algn="ctr"/>
             <a:r>
               <a:rPr lang="en-US" sz="1200" dirty="0"/>
-              <a:t>Poor Law</a:t>
-            </a:r>
-          </a:p>
-        </p:txBody>
-      </p:sp>
-      <p:pic>
-        <p:nvPicPr>
-          <p:cNvPr id="3" name="Graphic 2" descr="Scales of justice outline">
-            <a:extLst>
-              <a:ext uri="{FF2B5EF4-FFF2-40B4-BE49-F238E27FC236}">
-                <a16:creationId xmlns:a16="http://schemas.microsoft.com/office/drawing/2014/main" id="{80E27CE6-0046-DD1C-D512-74F8ABDBF85B}"/>
-              </a:ext>
-            </a:extLst>
-          </p:cNvPr>
-          <p:cNvPicPr>
-            <a:picLocks noChangeAspect="1"/>
-          </p:cNvPicPr>
+              <a:t>Import</a:t>
+            </a:r>
+          </a:p>
+        </p:txBody>
+      </p:sp>
+      <p:sp>
+        <p:nvSpPr>
+          <p:cNvPr id="92" name="Rectangle 91">
+            <a:extLst>
+              <a:ext uri="{FF2B5EF4-FFF2-40B4-BE49-F238E27FC236}">
+                <a16:creationId xmlns:a16="http://schemas.microsoft.com/office/drawing/2014/main" id="{F4AAFECF-B7D8-2460-1377-229DDD4B4215}"/>
+              </a:ext>
+            </a:extLst>
+          </p:cNvPr>
+          <p:cNvSpPr/>
           <p:nvPr/>
-        </p:nvPicPr>
-        <p:blipFill>
-          <a:blip r:embed="rId29">
-            <a:extLst>
-              <a:ext uri="{96DAC541-7B7A-43D3-8B79-37D633B846F1}">
-                <asvg:svgBlip xmlns:asvg="http://schemas.microsoft.com/office/drawing/2016/SVG/main" r:embed="rId30"/>
-              </a:ext>
-            </a:extLst>
-          </a:blip>
-          <a:stretch>
-            <a:fillRect/>
-          </a:stretch>
-        </p:blipFill>
-        <p:spPr>
-          <a:xfrm>
-            <a:off x="6709785" y="4390018"/>
-            <a:ext cx="360000" cy="360000"/>
+        </p:nvSpPr>
+        <p:spPr>
+          <a:xfrm>
+            <a:off x="8532319" y="5224836"/>
+            <a:ext cx="783145" cy="459827"/>
           </a:xfrm>
           <a:prstGeom prst="rect">
             <a:avLst/>
           </a:prstGeom>
-        </p:spPr>
-      </p:pic>
+          <a:ln>
+            <a:solidFill>
+              <a:schemeClr val="tx1"/>
+            </a:solidFill>
+          </a:ln>
+        </p:spPr>
+        <p:style>
+          <a:lnRef idx="2">
+            <a:schemeClr val="accent6"/>
+          </a:lnRef>
+          <a:fillRef idx="1">
+            <a:schemeClr val="lt1"/>
+          </a:fillRef>
+          <a:effectRef idx="0">
+            <a:schemeClr val="accent6"/>
+          </a:effectRef>
+          <a:fontRef idx="minor">
+            <a:schemeClr val="dk1"/>
+          </a:fontRef>
+        </p:style>
+        <p:txBody>
+          <a:bodyPr rtlCol="0" anchor="ctr"/>
+          <a:lstStyle>
+            <a:defPPr>
+              <a:defRPr lang="en-US"/>
+            </a:defPPr>
+            <a:lvl1pPr marL="0" algn="l" defTabSz="914400" rtl="0" eaLnBrk="1" latinLnBrk="0" hangingPunct="1">
+              <a:defRPr sz="1800" kern="1200">
+                <a:solidFill>
+                  <a:schemeClr val="dk1"/>
+                </a:solidFill>
+                <a:latin typeface="+mn-lt"/>
+                <a:ea typeface="+mn-ea"/>
+                <a:cs typeface="+mn-cs"/>
+              </a:defRPr>
+            </a:lvl1pPr>
+            <a:lvl2pPr marL="457200" algn="l" defTabSz="914400" rtl="0" eaLnBrk="1" latinLnBrk="0" hangingPunct="1">
+              <a:defRPr sz="1800" kern="1200">
+                <a:solidFill>
+                  <a:schemeClr val="dk1"/>
+                </a:solidFill>
+                <a:latin typeface="+mn-lt"/>
+                <a:ea typeface="+mn-ea"/>
+                <a:cs typeface="+mn-cs"/>
+              </a:defRPr>
+            </a:lvl2pPr>
+            <a:lvl3pPr marL="914400" algn="l" defTabSz="914400" rtl="0" eaLnBrk="1" latinLnBrk="0" hangingPunct="1">
+              <a:defRPr sz="1800" kern="1200">
+                <a:solidFill>
+                  <a:schemeClr val="dk1"/>
+                </a:solidFill>
+                <a:latin typeface="+mn-lt"/>
+                <a:ea typeface="+mn-ea"/>
+                <a:cs typeface="+mn-cs"/>
+              </a:defRPr>
+            </a:lvl3pPr>
+            <a:lvl4pPr marL="1371600" algn="l" defTabSz="914400" rtl="0" eaLnBrk="1" latinLnBrk="0" hangingPunct="1">
+              <a:defRPr sz="1800" kern="1200">
+                <a:solidFill>
+                  <a:schemeClr val="dk1"/>
+                </a:solidFill>
+                <a:latin typeface="+mn-lt"/>
+                <a:ea typeface="+mn-ea"/>
+                <a:cs typeface="+mn-cs"/>
+              </a:defRPr>
+            </a:lvl4pPr>
+            <a:lvl5pPr marL="1828800" algn="l" defTabSz="914400" rtl="0" eaLnBrk="1" latinLnBrk="0" hangingPunct="1">
+              <a:defRPr sz="1800" kern="1200">
+                <a:solidFill>
+                  <a:schemeClr val="dk1"/>
+                </a:solidFill>
+                <a:latin typeface="+mn-lt"/>
+                <a:ea typeface="+mn-ea"/>
+                <a:cs typeface="+mn-cs"/>
+              </a:defRPr>
+            </a:lvl5pPr>
+            <a:lvl6pPr marL="2286000" algn="l" defTabSz="914400" rtl="0" eaLnBrk="1" latinLnBrk="0" hangingPunct="1">
+              <a:defRPr sz="1800" kern="1200">
+                <a:solidFill>
+                  <a:schemeClr val="dk1"/>
+                </a:solidFill>
+                <a:latin typeface="+mn-lt"/>
+                <a:ea typeface="+mn-ea"/>
+                <a:cs typeface="+mn-cs"/>
+              </a:defRPr>
+            </a:lvl6pPr>
+            <a:lvl7pPr marL="2743200" algn="l" defTabSz="914400" rtl="0" eaLnBrk="1" latinLnBrk="0" hangingPunct="1">
+              <a:defRPr sz="1800" kern="1200">
+                <a:solidFill>
+                  <a:schemeClr val="dk1"/>
+                </a:solidFill>
+                <a:latin typeface="+mn-lt"/>
+                <a:ea typeface="+mn-ea"/>
+                <a:cs typeface="+mn-cs"/>
+              </a:defRPr>
+            </a:lvl7pPr>
+            <a:lvl8pPr marL="3200400" algn="l" defTabSz="914400" rtl="0" eaLnBrk="1" latinLnBrk="0" hangingPunct="1">
+              <a:defRPr sz="1800" kern="1200">
+                <a:solidFill>
+                  <a:schemeClr val="dk1"/>
+                </a:solidFill>
+                <a:latin typeface="+mn-lt"/>
+                <a:ea typeface="+mn-ea"/>
+                <a:cs typeface="+mn-cs"/>
+              </a:defRPr>
+            </a:lvl8pPr>
+            <a:lvl9pPr marL="3657600" algn="l" defTabSz="914400" rtl="0" eaLnBrk="1" latinLnBrk="0" hangingPunct="1">
+              <a:defRPr sz="1800" kern="1200">
+                <a:solidFill>
+                  <a:schemeClr val="dk1"/>
+                </a:solidFill>
+                <a:latin typeface="+mn-lt"/>
+                <a:ea typeface="+mn-ea"/>
+                <a:cs typeface="+mn-cs"/>
+              </a:defRPr>
+            </a:lvl9pPr>
+          </a:lstStyle>
+          <a:p>
+            <a:pPr algn="ctr"/>
+            <a:r>
+              <a:rPr lang="en-US" sz="1200" dirty="0"/>
+              <a:t>Export</a:t>
+            </a:r>
+          </a:p>
+        </p:txBody>
+      </p:sp>
+      <p:sp>
+        <p:nvSpPr>
+          <p:cNvPr id="93" name="Rectangle 92">
+            <a:extLst>
+              <a:ext uri="{FF2B5EF4-FFF2-40B4-BE49-F238E27FC236}">
+                <a16:creationId xmlns:a16="http://schemas.microsoft.com/office/drawing/2014/main" id="{2F5D71E5-4B0D-185A-6076-B6925077595E}"/>
+              </a:ext>
+            </a:extLst>
+          </p:cNvPr>
+          <p:cNvSpPr/>
+          <p:nvPr/>
+        </p:nvSpPr>
+        <p:spPr>
+          <a:xfrm>
+            <a:off x="5576976" y="5225417"/>
+            <a:ext cx="953180" cy="459827"/>
+          </a:xfrm>
+          <a:prstGeom prst="rect">
+            <a:avLst/>
+          </a:prstGeom>
+          <a:ln>
+            <a:solidFill>
+              <a:schemeClr val="tx1"/>
+            </a:solidFill>
+          </a:ln>
+        </p:spPr>
+        <p:style>
+          <a:lnRef idx="2">
+            <a:schemeClr val="accent6"/>
+          </a:lnRef>
+          <a:fillRef idx="1">
+            <a:schemeClr val="lt1"/>
+          </a:fillRef>
+          <a:effectRef idx="0">
+            <a:schemeClr val="accent6"/>
+          </a:effectRef>
+          <a:fontRef idx="minor">
+            <a:schemeClr val="dk1"/>
+          </a:fontRef>
+        </p:style>
+        <p:txBody>
+          <a:bodyPr rtlCol="0" anchor="ctr"/>
+          <a:lstStyle>
+            <a:defPPr>
+              <a:defRPr lang="en-US"/>
+            </a:defPPr>
+            <a:lvl1pPr marL="0" algn="l" defTabSz="914400" rtl="0" eaLnBrk="1" latinLnBrk="0" hangingPunct="1">
+              <a:defRPr sz="1800" kern="1200">
+                <a:solidFill>
+                  <a:schemeClr val="dk1"/>
+                </a:solidFill>
+                <a:latin typeface="+mn-lt"/>
+                <a:ea typeface="+mn-ea"/>
+                <a:cs typeface="+mn-cs"/>
+              </a:defRPr>
+            </a:lvl1pPr>
+            <a:lvl2pPr marL="457200" algn="l" defTabSz="914400" rtl="0" eaLnBrk="1" latinLnBrk="0" hangingPunct="1">
+              <a:defRPr sz="1800" kern="1200">
+                <a:solidFill>
+                  <a:schemeClr val="dk1"/>
+                </a:solidFill>
+                <a:latin typeface="+mn-lt"/>
+                <a:ea typeface="+mn-ea"/>
+                <a:cs typeface="+mn-cs"/>
+              </a:defRPr>
+            </a:lvl2pPr>
+            <a:lvl3pPr marL="914400" algn="l" defTabSz="914400" rtl="0" eaLnBrk="1" latinLnBrk="0" hangingPunct="1">
+              <a:defRPr sz="1800" kern="1200">
+                <a:solidFill>
+                  <a:schemeClr val="dk1"/>
+                </a:solidFill>
+                <a:latin typeface="+mn-lt"/>
+                <a:ea typeface="+mn-ea"/>
+                <a:cs typeface="+mn-cs"/>
+              </a:defRPr>
+            </a:lvl3pPr>
+            <a:lvl4pPr marL="1371600" algn="l" defTabSz="914400" rtl="0" eaLnBrk="1" latinLnBrk="0" hangingPunct="1">
+              <a:defRPr sz="1800" kern="1200">
+                <a:solidFill>
+                  <a:schemeClr val="dk1"/>
+                </a:solidFill>
+                <a:latin typeface="+mn-lt"/>
+                <a:ea typeface="+mn-ea"/>
+                <a:cs typeface="+mn-cs"/>
+              </a:defRPr>
+            </a:lvl4pPr>
+            <a:lvl5pPr marL="1828800" algn="l" defTabSz="914400" rtl="0" eaLnBrk="1" latinLnBrk="0" hangingPunct="1">
+              <a:defRPr sz="1800" kern="1200">
+                <a:solidFill>
+                  <a:schemeClr val="dk1"/>
+                </a:solidFill>
+                <a:latin typeface="+mn-lt"/>
+                <a:ea typeface="+mn-ea"/>
+                <a:cs typeface="+mn-cs"/>
+              </a:defRPr>
+            </a:lvl5pPr>
+            <a:lvl6pPr marL="2286000" algn="l" defTabSz="914400" rtl="0" eaLnBrk="1" latinLnBrk="0" hangingPunct="1">
+              <a:defRPr sz="1800" kern="1200">
+                <a:solidFill>
+                  <a:schemeClr val="dk1"/>
+                </a:solidFill>
+                <a:latin typeface="+mn-lt"/>
+                <a:ea typeface="+mn-ea"/>
+                <a:cs typeface="+mn-cs"/>
+              </a:defRPr>
+            </a:lvl6pPr>
+            <a:lvl7pPr marL="2743200" algn="l" defTabSz="914400" rtl="0" eaLnBrk="1" latinLnBrk="0" hangingPunct="1">
+              <a:defRPr sz="1800" kern="1200">
+                <a:solidFill>
+                  <a:schemeClr val="dk1"/>
+                </a:solidFill>
+                <a:latin typeface="+mn-lt"/>
+                <a:ea typeface="+mn-ea"/>
+                <a:cs typeface="+mn-cs"/>
+              </a:defRPr>
+            </a:lvl7pPr>
+            <a:lvl8pPr marL="3200400" algn="l" defTabSz="914400" rtl="0" eaLnBrk="1" latinLnBrk="0" hangingPunct="1">
+              <a:defRPr sz="1800" kern="1200">
+                <a:solidFill>
+                  <a:schemeClr val="dk1"/>
+                </a:solidFill>
+                <a:latin typeface="+mn-lt"/>
+                <a:ea typeface="+mn-ea"/>
+                <a:cs typeface="+mn-cs"/>
+              </a:defRPr>
+            </a:lvl8pPr>
+            <a:lvl9pPr marL="3657600" algn="l" defTabSz="914400" rtl="0" eaLnBrk="1" latinLnBrk="0" hangingPunct="1">
+              <a:defRPr sz="1800" kern="1200">
+                <a:solidFill>
+                  <a:schemeClr val="dk1"/>
+                </a:solidFill>
+                <a:latin typeface="+mn-lt"/>
+                <a:ea typeface="+mn-ea"/>
+                <a:cs typeface="+mn-cs"/>
+              </a:defRPr>
+            </a:lvl9pPr>
+          </a:lstStyle>
+          <a:p>
+            <a:pPr algn="ctr"/>
+            <a:r>
+              <a:rPr lang="en-US" sz="1200" dirty="0"/>
+              <a:t>Control Var.</a:t>
+            </a:r>
+          </a:p>
+        </p:txBody>
+      </p:sp>
+      <p:sp>
+        <p:nvSpPr>
+          <p:cNvPr id="107" name="Striped Right Arrow 106">
+            <a:extLst>
+              <a:ext uri="{FF2B5EF4-FFF2-40B4-BE49-F238E27FC236}">
+                <a16:creationId xmlns:a16="http://schemas.microsoft.com/office/drawing/2014/main" id="{F786F494-2788-63C2-6D37-456B16487F96}"/>
+              </a:ext>
+            </a:extLst>
+          </p:cNvPr>
+          <p:cNvSpPr/>
+          <p:nvPr/>
+        </p:nvSpPr>
+        <p:spPr>
+          <a:xfrm>
+            <a:off x="6708241" y="5297831"/>
+            <a:ext cx="420416" cy="312027"/>
+          </a:xfrm>
+          <a:prstGeom prst="stripedRightArrow">
+            <a:avLst/>
+          </a:prstGeom>
+          <a:ln>
+            <a:solidFill>
+              <a:schemeClr val="tx1"/>
+            </a:solidFill>
+          </a:ln>
+        </p:spPr>
+        <p:style>
+          <a:lnRef idx="2">
+            <a:schemeClr val="accent6"/>
+          </a:lnRef>
+          <a:fillRef idx="1">
+            <a:schemeClr val="lt1"/>
+          </a:fillRef>
+          <a:effectRef idx="0">
+            <a:schemeClr val="accent6"/>
+          </a:effectRef>
+          <a:fontRef idx="minor">
+            <a:schemeClr val="dk1"/>
+          </a:fontRef>
+        </p:style>
+        <p:txBody>
+          <a:bodyPr rtlCol="0" anchor="ctr"/>
+          <a:lstStyle/>
+          <a:p>
+            <a:pPr algn="ctr"/>
+            <a:endParaRPr lang="en-US"/>
+          </a:p>
+        </p:txBody>
+      </p:sp>
       <p:pic>
         <p:nvPicPr>
-          <p:cNvPr id="19" name="Graphic 18" descr="Freight outline">
-            <a:extLst>
-              <a:ext uri="{FF2B5EF4-FFF2-40B4-BE49-F238E27FC236}">
-                <a16:creationId xmlns:a16="http://schemas.microsoft.com/office/drawing/2014/main" id="{0E69FD21-5C45-2386-B7C6-897DE8C4D71E}"/>
+          <p:cNvPr id="21" name="Graphic 20" descr="Freight outline">
+            <a:extLst>
+              <a:ext uri="{FF2B5EF4-FFF2-40B4-BE49-F238E27FC236}">
+                <a16:creationId xmlns:a16="http://schemas.microsoft.com/office/drawing/2014/main" id="{4A0836EC-5A99-5F0A-D6AC-08FD6588B467}"/>
               </a:ext>
             </a:extLst>
           </p:cNvPr>
@@ -7412,7 +7962,7 @@
         </p:blipFill>
         <p:spPr>
           <a:xfrm>
-            <a:off x="6709785" y="4846993"/>
+            <a:off x="7257765" y="5258038"/>
             <a:ext cx="360000" cy="360000"/>
           </a:xfrm>
           <a:prstGeom prst="rect">
@@ -7420,6 +7970,137 @@
           </a:prstGeom>
         </p:spPr>
       </p:pic>
+      <p:sp>
+        <p:nvSpPr>
+          <p:cNvPr id="23" name="Left-right-up Arrow 22">
+            <a:extLst>
+              <a:ext uri="{FF2B5EF4-FFF2-40B4-BE49-F238E27FC236}">
+                <a16:creationId xmlns:a16="http://schemas.microsoft.com/office/drawing/2014/main" id="{DA82DA78-25BF-6E49-F458-5C12ED381608}"/>
+              </a:ext>
+            </a:extLst>
+          </p:cNvPr>
+          <p:cNvSpPr/>
+          <p:nvPr/>
+        </p:nvSpPr>
+        <p:spPr>
+          <a:xfrm rot="16200000">
+            <a:off x="9368626" y="5199784"/>
+            <a:ext cx="641259" cy="474378"/>
+          </a:xfrm>
+          <a:prstGeom prst="leftRightUpArrow">
+            <a:avLst/>
+          </a:prstGeom>
+          <a:ln>
+            <a:solidFill>
+              <a:schemeClr val="tx1"/>
+            </a:solidFill>
+          </a:ln>
+        </p:spPr>
+        <p:style>
+          <a:lnRef idx="2">
+            <a:schemeClr val="accent6"/>
+          </a:lnRef>
+          <a:fillRef idx="1">
+            <a:schemeClr val="lt1"/>
+          </a:fillRef>
+          <a:effectRef idx="0">
+            <a:schemeClr val="accent6"/>
+          </a:effectRef>
+          <a:fontRef idx="minor">
+            <a:schemeClr val="dk1"/>
+          </a:fontRef>
+        </p:style>
+        <p:txBody>
+          <a:bodyPr rtlCol="0" anchor="ctr"/>
+          <a:lstStyle/>
+          <a:p>
+            <a:pPr algn="ctr"/>
+            <a:endParaRPr lang="en-US"/>
+          </a:p>
+        </p:txBody>
+      </p:sp>
+      <p:cxnSp>
+        <p:nvCxnSpPr>
+          <p:cNvPr id="109" name="Straight Connector 108">
+            <a:extLst>
+              <a:ext uri="{FF2B5EF4-FFF2-40B4-BE49-F238E27FC236}">
+                <a16:creationId xmlns:a16="http://schemas.microsoft.com/office/drawing/2014/main" id="{5995217C-CE75-036F-0953-7CF0D9DC5BBF}"/>
+              </a:ext>
+            </a:extLst>
+          </p:cNvPr>
+          <p:cNvCxnSpPr>
+            <a:cxnSpLocks/>
+          </p:cNvCxnSpPr>
+          <p:nvPr/>
+        </p:nvCxnSpPr>
+        <p:spPr>
+          <a:xfrm>
+            <a:off x="9315464" y="5441233"/>
+            <a:ext cx="2060052" cy="0"/>
+          </a:xfrm>
+          <a:prstGeom prst="line">
+            <a:avLst/>
+          </a:prstGeom>
+          <a:ln w="19050">
+            <a:prstDash val="sysDot"/>
+          </a:ln>
+        </p:spPr>
+        <p:style>
+          <a:lnRef idx="1">
+            <a:schemeClr val="dk1"/>
+          </a:lnRef>
+          <a:fillRef idx="0">
+            <a:schemeClr val="dk1"/>
+          </a:fillRef>
+          <a:effectRef idx="0">
+            <a:schemeClr val="dk1"/>
+          </a:effectRef>
+          <a:fontRef idx="minor">
+            <a:schemeClr val="tx1"/>
+          </a:fontRef>
+        </p:style>
+      </p:cxnSp>
+      <p:cxnSp>
+        <p:nvCxnSpPr>
+          <p:cNvPr id="110" name="Straight Connector 109">
+            <a:extLst>
+              <a:ext uri="{FF2B5EF4-FFF2-40B4-BE49-F238E27FC236}">
+                <a16:creationId xmlns:a16="http://schemas.microsoft.com/office/drawing/2014/main" id="{7AD21141-B13C-0B72-7CFF-2DD44C143055}"/>
+              </a:ext>
+            </a:extLst>
+          </p:cNvPr>
+          <p:cNvCxnSpPr>
+            <a:cxnSpLocks/>
+          </p:cNvCxnSpPr>
+          <p:nvPr/>
+        </p:nvCxnSpPr>
+        <p:spPr>
+          <a:xfrm>
+            <a:off x="2672860" y="5441233"/>
+            <a:ext cx="2905864" cy="0"/>
+          </a:xfrm>
+          <a:prstGeom prst="line">
+            <a:avLst/>
+          </a:prstGeom>
+          <a:ln w="19050">
+            <a:prstDash val="sysDot"/>
+          </a:ln>
+        </p:spPr>
+        <p:style>
+          <a:lnRef idx="1">
+            <a:schemeClr val="dk1"/>
+          </a:lnRef>
+          <a:fillRef idx="0">
+            <a:schemeClr val="dk1"/>
+          </a:fillRef>
+          <a:effectRef idx="0">
+            <a:schemeClr val="dk1"/>
+          </a:effectRef>
+          <a:fontRef idx="minor">
+            <a:schemeClr val="tx1"/>
+          </a:fontRef>
+        </p:style>
+      </p:cxnSp>
     </p:spTree>
     <p:extLst>
       <p:ext uri="{BB962C8B-B14F-4D97-AF65-F5344CB8AC3E}">
